--- a/ruby_sp2017_2.pptx
+++ b/ruby_sp2017_2.pptx
@@ -13,15 +13,19 @@
     <p:sldId id="258" r:id="rId7"/>
     <p:sldId id="259" r:id="rId8"/>
     <p:sldId id="260" r:id="rId9"/>
+    <p:sldId id="261" r:id="rId10"/>
+    <p:sldId id="262" r:id="rId11"/>
+    <p:sldId id="263" r:id="rId12"/>
+    <p:sldId id="264" r:id="rId13"/>
   </p:sldIdLst>
   <p:sldSz cy="5143500" cx="9144000"/>
   <p:notesSz cx="6858000" cy="9144000"/>
   <p:embeddedFontLst>
     <p:embeddedFont>
       <p:font typeface="Old Standard TT"/>
-      <p:regular r:id="rId10"/>
-      <p:bold r:id="rId11"/>
-      <p:italic r:id="rId12"/>
+      <p:regular r:id="rId14"/>
+      <p:bold r:id="rId15"/>
+      <p:italic r:id="rId16"/>
     </p:embeddedFont>
   </p:embeddedFontLst>
   <p:defaultTextStyle>
@@ -573,7 +577,7 @@
   <p:cSld>
     <p:spTree>
       <p:nvGrpSpPr>
-        <p:cNvPr id="74" name="Shape 74"/>
+        <p:cNvPr id="68" name="Shape 68"/>
         <p:cNvGrpSpPr/>
         <p:nvPr/>
       </p:nvGrpSpPr>
@@ -587,7 +591,7 @@
       </p:grpSpPr>
       <p:sp>
         <p:nvSpPr>
-          <p:cNvPr id="75" name="Shape 75"/>
+          <p:cNvPr id="69" name="Shape 69"/>
           <p:cNvSpPr/>
           <p:nvPr>
             <p:ph idx="2" type="sldImg"/>
@@ -621,7 +625,7 @@
       </p:sp>
       <p:sp>
         <p:nvSpPr>
-          <p:cNvPr id="76" name="Shape 76"/>
+          <p:cNvPr id="70" name="Shape 70"/>
           <p:cNvSpPr txBox="1"/>
           <p:nvPr>
             <p:ph idx="1" type="body"/>
@@ -668,7 +672,7 @@
   <p:cSld>
     <p:spTree>
       <p:nvGrpSpPr>
-        <p:cNvPr id="80" name="Shape 80"/>
+        <p:cNvPr id="74" name="Shape 74"/>
         <p:cNvGrpSpPr/>
         <p:nvPr/>
       </p:nvGrpSpPr>
@@ -682,7 +686,7 @@
       </p:grpSpPr>
       <p:sp>
         <p:nvSpPr>
-          <p:cNvPr id="81" name="Shape 81"/>
+          <p:cNvPr id="75" name="Shape 75"/>
           <p:cNvSpPr/>
           <p:nvPr>
             <p:ph idx="2" type="sldImg"/>
@@ -716,7 +720,7 @@
       </p:sp>
       <p:sp>
         <p:nvSpPr>
-          <p:cNvPr id="82" name="Shape 82"/>
+          <p:cNvPr id="76" name="Shape 76"/>
           <p:cNvSpPr txBox="1"/>
           <p:nvPr>
             <p:ph idx="1" type="body"/>
@@ -763,7 +767,7 @@
   <p:cSld>
     <p:spTree>
       <p:nvGrpSpPr>
-        <p:cNvPr id="92" name="Shape 92"/>
+        <p:cNvPr id="80" name="Shape 80"/>
         <p:cNvGrpSpPr/>
         <p:nvPr/>
       </p:nvGrpSpPr>
@@ -777,7 +781,7 @@
       </p:grpSpPr>
       <p:sp>
         <p:nvSpPr>
-          <p:cNvPr id="93" name="Shape 93"/>
+          <p:cNvPr id="81" name="Shape 81"/>
           <p:cNvSpPr/>
           <p:nvPr>
             <p:ph idx="2" type="sldImg"/>
@@ -811,7 +815,387 @@
       </p:sp>
       <p:sp>
         <p:nvSpPr>
-          <p:cNvPr id="94" name="Shape 94"/>
+          <p:cNvPr id="82" name="Shape 82"/>
+          <p:cNvSpPr txBox="1"/>
+          <p:nvPr>
+            <p:ph idx="1" type="body"/>
+          </p:nvPr>
+        </p:nvSpPr>
+        <p:spPr>
+          <a:xfrm>
+            <a:off x="685800" y="4343400"/>
+            <a:ext cx="5486400" cy="4114800"/>
+          </a:xfrm>
+          <a:prstGeom prst="rect">
+            <a:avLst/>
+          </a:prstGeom>
+        </p:spPr>
+        <p:txBody>
+          <a:bodyPr anchorCtr="0" anchor="t" bIns="91425" lIns="91425" rIns="91425" tIns="91425">
+            <a:noAutofit/>
+          </a:bodyPr>
+          <a:lstStyle/>
+          <a:p>
+            <a:pPr lvl="0">
+              <a:spcBef>
+                <a:spcPts val="0"/>
+              </a:spcBef>
+              <a:buNone/>
+            </a:pPr>
+            <a:r>
+              <a:t/>
+            </a:r>
+            <a:endParaRPr/>
+          </a:p>
+        </p:txBody>
+      </p:sp>
+    </p:spTree>
+  </p:cSld>
+  <p:clrMapOvr>
+    <a:masterClrMapping/>
+  </p:clrMapOvr>
+</p:notes>
+</file>
+
+<file path=ppt/notesSlides/notesSlide6.xml><?xml version="1.0" encoding="utf-8"?>
+<p:notes xmlns:a="http://schemas.openxmlformats.org/drawingml/2006/main" xmlns:r="http://schemas.openxmlformats.org/officeDocument/2006/relationships" xmlns:mc="http://schemas.openxmlformats.org/markup-compatibility/2006" xmlns:mv="urn:schemas-microsoft-com:mac:vml" xmlns:p="http://schemas.openxmlformats.org/presentationml/2006/main" xmlns:c="http://schemas.openxmlformats.org/drawingml/2006/chart" xmlns:dgm="http://schemas.openxmlformats.org/drawingml/2006/diagram" xmlns:o="urn:schemas-microsoft-com:office:office" xmlns:v="urn:schemas-microsoft-com:vml" xmlns:pvml="urn:schemas-microsoft-com:office:powerpoint" xmlns:com="http://schemas.openxmlformats.org/drawingml/2006/compatibility" xmlns:p14="http://schemas.microsoft.com/office/powerpoint/2010/main" showMasterPhAnim="0" showMasterSp="0">
+  <p:cSld>
+    <p:spTree>
+      <p:nvGrpSpPr>
+        <p:cNvPr id="86" name="Shape 86"/>
+        <p:cNvGrpSpPr/>
+        <p:nvPr/>
+      </p:nvGrpSpPr>
+      <p:grpSpPr>
+        <a:xfrm>
+          <a:off x="0" y="0"/>
+          <a:ext cx="0" cy="0"/>
+          <a:chOff x="0" y="0"/>
+          <a:chExt cx="0" cy="0"/>
+        </a:xfrm>
+      </p:grpSpPr>
+      <p:sp>
+        <p:nvSpPr>
+          <p:cNvPr id="87" name="Shape 87"/>
+          <p:cNvSpPr/>
+          <p:nvPr>
+            <p:ph idx="2" type="sldImg"/>
+          </p:nvPr>
+        </p:nvSpPr>
+        <p:spPr>
+          <a:xfrm>
+            <a:off x="381300" y="685800"/>
+            <a:ext cx="6096000" cy="3429000"/>
+          </a:xfrm>
+          <a:custGeom>
+            <a:pathLst>
+              <a:path extrusionOk="0" h="120000" w="120000">
+                <a:moveTo>
+                  <a:pt x="0" y="0"/>
+                </a:moveTo>
+                <a:lnTo>
+                  <a:pt x="120000" y="0"/>
+                </a:lnTo>
+                <a:lnTo>
+                  <a:pt x="120000" y="120000"/>
+                </a:lnTo>
+                <a:lnTo>
+                  <a:pt x="0" y="120000"/>
+                </a:lnTo>
+                <a:close/>
+              </a:path>
+            </a:pathLst>
+          </a:custGeom>
+        </p:spPr>
+      </p:sp>
+      <p:sp>
+        <p:nvSpPr>
+          <p:cNvPr id="88" name="Shape 88"/>
+          <p:cNvSpPr txBox="1"/>
+          <p:nvPr>
+            <p:ph idx="1" type="body"/>
+          </p:nvPr>
+        </p:nvSpPr>
+        <p:spPr>
+          <a:xfrm>
+            <a:off x="685800" y="4343400"/>
+            <a:ext cx="5486400" cy="4114800"/>
+          </a:xfrm>
+          <a:prstGeom prst="rect">
+            <a:avLst/>
+          </a:prstGeom>
+        </p:spPr>
+        <p:txBody>
+          <a:bodyPr anchorCtr="0" anchor="t" bIns="91425" lIns="91425" rIns="91425" tIns="91425">
+            <a:noAutofit/>
+          </a:bodyPr>
+          <a:lstStyle/>
+          <a:p>
+            <a:pPr lvl="0">
+              <a:spcBef>
+                <a:spcPts val="0"/>
+              </a:spcBef>
+              <a:buNone/>
+            </a:pPr>
+            <a:r>
+              <a:t/>
+            </a:r>
+            <a:endParaRPr/>
+          </a:p>
+        </p:txBody>
+      </p:sp>
+    </p:spTree>
+  </p:cSld>
+  <p:clrMapOvr>
+    <a:masterClrMapping/>
+  </p:clrMapOvr>
+</p:notes>
+</file>
+
+<file path=ppt/notesSlides/notesSlide7.xml><?xml version="1.0" encoding="utf-8"?>
+<p:notes xmlns:a="http://schemas.openxmlformats.org/drawingml/2006/main" xmlns:r="http://schemas.openxmlformats.org/officeDocument/2006/relationships" xmlns:mc="http://schemas.openxmlformats.org/markup-compatibility/2006" xmlns:mv="urn:schemas-microsoft-com:mac:vml" xmlns:p="http://schemas.openxmlformats.org/presentationml/2006/main" xmlns:c="http://schemas.openxmlformats.org/drawingml/2006/chart" xmlns:dgm="http://schemas.openxmlformats.org/drawingml/2006/diagram" xmlns:o="urn:schemas-microsoft-com:office:office" xmlns:v="urn:schemas-microsoft-com:vml" xmlns:pvml="urn:schemas-microsoft-com:office:powerpoint" xmlns:com="http://schemas.openxmlformats.org/drawingml/2006/compatibility" xmlns:p14="http://schemas.microsoft.com/office/powerpoint/2010/main" showMasterPhAnim="0" showMasterSp="0">
+  <p:cSld>
+    <p:spTree>
+      <p:nvGrpSpPr>
+        <p:cNvPr id="91" name="Shape 91"/>
+        <p:cNvGrpSpPr/>
+        <p:nvPr/>
+      </p:nvGrpSpPr>
+      <p:grpSpPr>
+        <a:xfrm>
+          <a:off x="0" y="0"/>
+          <a:ext cx="0" cy="0"/>
+          <a:chOff x="0" y="0"/>
+          <a:chExt cx="0" cy="0"/>
+        </a:xfrm>
+      </p:grpSpPr>
+      <p:sp>
+        <p:nvSpPr>
+          <p:cNvPr id="92" name="Shape 92"/>
+          <p:cNvSpPr/>
+          <p:nvPr>
+            <p:ph idx="2" type="sldImg"/>
+          </p:nvPr>
+        </p:nvSpPr>
+        <p:spPr>
+          <a:xfrm>
+            <a:off x="381300" y="685800"/>
+            <a:ext cx="6096000" cy="3429000"/>
+          </a:xfrm>
+          <a:custGeom>
+            <a:pathLst>
+              <a:path extrusionOk="0" h="120000" w="120000">
+                <a:moveTo>
+                  <a:pt x="0" y="0"/>
+                </a:moveTo>
+                <a:lnTo>
+                  <a:pt x="120000" y="0"/>
+                </a:lnTo>
+                <a:lnTo>
+                  <a:pt x="120000" y="120000"/>
+                </a:lnTo>
+                <a:lnTo>
+                  <a:pt x="0" y="120000"/>
+                </a:lnTo>
+                <a:close/>
+              </a:path>
+            </a:pathLst>
+          </a:custGeom>
+        </p:spPr>
+      </p:sp>
+      <p:sp>
+        <p:nvSpPr>
+          <p:cNvPr id="93" name="Shape 93"/>
+          <p:cNvSpPr txBox="1"/>
+          <p:nvPr>
+            <p:ph idx="1" type="body"/>
+          </p:nvPr>
+        </p:nvSpPr>
+        <p:spPr>
+          <a:xfrm>
+            <a:off x="685800" y="4343400"/>
+            <a:ext cx="5486400" cy="4114800"/>
+          </a:xfrm>
+          <a:prstGeom prst="rect">
+            <a:avLst/>
+          </a:prstGeom>
+        </p:spPr>
+        <p:txBody>
+          <a:bodyPr anchorCtr="0" anchor="t" bIns="91425" lIns="91425" rIns="91425" tIns="91425">
+            <a:noAutofit/>
+          </a:bodyPr>
+          <a:lstStyle/>
+          <a:p>
+            <a:pPr lvl="0">
+              <a:spcBef>
+                <a:spcPts val="0"/>
+              </a:spcBef>
+              <a:buNone/>
+            </a:pPr>
+            <a:r>
+              <a:t/>
+            </a:r>
+            <a:endParaRPr/>
+          </a:p>
+        </p:txBody>
+      </p:sp>
+    </p:spTree>
+  </p:cSld>
+  <p:clrMapOvr>
+    <a:masterClrMapping/>
+  </p:clrMapOvr>
+</p:notes>
+</file>
+
+<file path=ppt/notesSlides/notesSlide8.xml><?xml version="1.0" encoding="utf-8"?>
+<p:notes xmlns:a="http://schemas.openxmlformats.org/drawingml/2006/main" xmlns:r="http://schemas.openxmlformats.org/officeDocument/2006/relationships" xmlns:mc="http://schemas.openxmlformats.org/markup-compatibility/2006" xmlns:mv="urn:schemas-microsoft-com:mac:vml" xmlns:p="http://schemas.openxmlformats.org/presentationml/2006/main" xmlns:c="http://schemas.openxmlformats.org/drawingml/2006/chart" xmlns:dgm="http://schemas.openxmlformats.org/drawingml/2006/diagram" xmlns:o="urn:schemas-microsoft-com:office:office" xmlns:v="urn:schemas-microsoft-com:vml" xmlns:pvml="urn:schemas-microsoft-com:office:powerpoint" xmlns:com="http://schemas.openxmlformats.org/drawingml/2006/compatibility" xmlns:p14="http://schemas.microsoft.com/office/powerpoint/2010/main" showMasterPhAnim="0" showMasterSp="0">
+  <p:cSld>
+    <p:spTree>
+      <p:nvGrpSpPr>
+        <p:cNvPr id="97" name="Shape 97"/>
+        <p:cNvGrpSpPr/>
+        <p:nvPr/>
+      </p:nvGrpSpPr>
+      <p:grpSpPr>
+        <a:xfrm>
+          <a:off x="0" y="0"/>
+          <a:ext cx="0" cy="0"/>
+          <a:chOff x="0" y="0"/>
+          <a:chExt cx="0" cy="0"/>
+        </a:xfrm>
+      </p:grpSpPr>
+      <p:sp>
+        <p:nvSpPr>
+          <p:cNvPr id="98" name="Shape 98"/>
+          <p:cNvSpPr/>
+          <p:nvPr>
+            <p:ph idx="2" type="sldImg"/>
+          </p:nvPr>
+        </p:nvSpPr>
+        <p:spPr>
+          <a:xfrm>
+            <a:off x="381300" y="685800"/>
+            <a:ext cx="6096000" cy="3429000"/>
+          </a:xfrm>
+          <a:custGeom>
+            <a:pathLst>
+              <a:path extrusionOk="0" h="120000" w="120000">
+                <a:moveTo>
+                  <a:pt x="0" y="0"/>
+                </a:moveTo>
+                <a:lnTo>
+                  <a:pt x="120000" y="0"/>
+                </a:lnTo>
+                <a:lnTo>
+                  <a:pt x="120000" y="120000"/>
+                </a:lnTo>
+                <a:lnTo>
+                  <a:pt x="0" y="120000"/>
+                </a:lnTo>
+                <a:close/>
+              </a:path>
+            </a:pathLst>
+          </a:custGeom>
+        </p:spPr>
+      </p:sp>
+      <p:sp>
+        <p:nvSpPr>
+          <p:cNvPr id="99" name="Shape 99"/>
+          <p:cNvSpPr txBox="1"/>
+          <p:nvPr>
+            <p:ph idx="1" type="body"/>
+          </p:nvPr>
+        </p:nvSpPr>
+        <p:spPr>
+          <a:xfrm>
+            <a:off x="685800" y="4343400"/>
+            <a:ext cx="5486400" cy="4114800"/>
+          </a:xfrm>
+          <a:prstGeom prst="rect">
+            <a:avLst/>
+          </a:prstGeom>
+        </p:spPr>
+        <p:txBody>
+          <a:bodyPr anchorCtr="0" anchor="t" bIns="91425" lIns="91425" rIns="91425" tIns="91425">
+            <a:noAutofit/>
+          </a:bodyPr>
+          <a:lstStyle/>
+          <a:p>
+            <a:pPr lvl="0">
+              <a:spcBef>
+                <a:spcPts val="0"/>
+              </a:spcBef>
+              <a:buNone/>
+            </a:pPr>
+            <a:r>
+              <a:t/>
+            </a:r>
+            <a:endParaRPr/>
+          </a:p>
+        </p:txBody>
+      </p:sp>
+    </p:spTree>
+  </p:cSld>
+  <p:clrMapOvr>
+    <a:masterClrMapping/>
+  </p:clrMapOvr>
+</p:notes>
+</file>
+
+<file path=ppt/notesSlides/notesSlide9.xml><?xml version="1.0" encoding="utf-8"?>
+<p:notes xmlns:a="http://schemas.openxmlformats.org/drawingml/2006/main" xmlns:r="http://schemas.openxmlformats.org/officeDocument/2006/relationships" xmlns:mc="http://schemas.openxmlformats.org/markup-compatibility/2006" xmlns:mv="urn:schemas-microsoft-com:mac:vml" xmlns:p="http://schemas.openxmlformats.org/presentationml/2006/main" xmlns:c="http://schemas.openxmlformats.org/drawingml/2006/chart" xmlns:dgm="http://schemas.openxmlformats.org/drawingml/2006/diagram" xmlns:o="urn:schemas-microsoft-com:office:office" xmlns:v="urn:schemas-microsoft-com:vml" xmlns:pvml="urn:schemas-microsoft-com:office:powerpoint" xmlns:com="http://schemas.openxmlformats.org/drawingml/2006/compatibility" xmlns:p14="http://schemas.microsoft.com/office/powerpoint/2010/main" showMasterPhAnim="0" showMasterSp="0">
+  <p:cSld>
+    <p:spTree>
+      <p:nvGrpSpPr>
+        <p:cNvPr id="109" name="Shape 109"/>
+        <p:cNvGrpSpPr/>
+        <p:nvPr/>
+      </p:nvGrpSpPr>
+      <p:grpSpPr>
+        <a:xfrm>
+          <a:off x="0" y="0"/>
+          <a:ext cx="0" cy="0"/>
+          <a:chOff x="0" y="0"/>
+          <a:chExt cx="0" cy="0"/>
+        </a:xfrm>
+      </p:grpSpPr>
+      <p:sp>
+        <p:nvSpPr>
+          <p:cNvPr id="110" name="Shape 110"/>
+          <p:cNvSpPr/>
+          <p:nvPr>
+            <p:ph idx="2" type="sldImg"/>
+          </p:nvPr>
+        </p:nvSpPr>
+        <p:spPr>
+          <a:xfrm>
+            <a:off x="381300" y="685800"/>
+            <a:ext cx="6096000" cy="3429000"/>
+          </a:xfrm>
+          <a:custGeom>
+            <a:pathLst>
+              <a:path extrusionOk="0" h="120000" w="120000">
+                <a:moveTo>
+                  <a:pt x="0" y="0"/>
+                </a:moveTo>
+                <a:lnTo>
+                  <a:pt x="120000" y="0"/>
+                </a:lnTo>
+                <a:lnTo>
+                  <a:pt x="120000" y="120000"/>
+                </a:lnTo>
+                <a:lnTo>
+                  <a:pt x="0" y="120000"/>
+                </a:lnTo>
+                <a:close/>
+              </a:path>
+            </a:pathLst>
+          </a:custGeom>
+        </p:spPr>
+      </p:sp>
+      <p:sp>
+        <p:nvSpPr>
+          <p:cNvPr id="111" name="Shape 111"/>
           <p:cNvSpPr txBox="1"/>
           <p:nvPr>
             <p:ph idx="1" type="body"/>
@@ -4773,7 +5157,7 @@
         </p:nvSpPr>
         <p:spPr>
           <a:xfrm>
-            <a:off x="512700" y="3840639"/>
+            <a:off x="512700" y="3785639"/>
             <a:ext cx="8118600" cy="787500"/>
           </a:xfrm>
           <a:prstGeom prst="rect">
@@ -4913,8 +5297,8 @@
         </p:nvSpPr>
         <p:spPr>
           <a:xfrm>
-            <a:off x="653275" y="451900"/>
-            <a:ext cx="4449000" cy="799500"/>
+            <a:off x="311700" y="445025"/>
+            <a:ext cx="8520600" cy="613200"/>
           </a:xfrm>
           <a:prstGeom prst="rect">
             <a:avLst/>
@@ -4926,34 +5310,37 @@
           </a:bodyPr>
           <a:lstStyle/>
           <a:p>
-            <a:pPr indent="457200" lvl="0" marL="457200">
-              <a:spcBef>
-                <a:spcPts val="0"/>
-              </a:spcBef>
-              <a:buNone/>
-            </a:pPr>
-            <a:r>
-              <a:rPr lang="ja" sz="4800">
-                <a:latin typeface="Comic Sans MS"/>
-                <a:ea typeface="Comic Sans MS"/>
-                <a:cs typeface="Comic Sans MS"/>
-                <a:sym typeface="Comic Sans MS"/>
-              </a:rPr>
-              <a:t>Members!!!</a:t>
+            <a:pPr lvl="0">
+              <a:spcBef>
+                <a:spcPts val="0"/>
+              </a:spcBef>
+              <a:buNone/>
+            </a:pPr>
+            <a:r>
+              <a:rPr lang="ja"/>
+              <a:t>Reader　Hiramoto</a:t>
             </a:r>
           </a:p>
         </p:txBody>
       </p:sp>
-      <p:sp>
-        <p:nvSpPr>
-          <p:cNvPr id="67" name="Shape 67"/>
-          <p:cNvSpPr txBox="1"/>
+      <p:pic>
+        <p:nvPicPr>
+          <p:cNvPr descr="DSC_0825.JPG" id="67" name="Shape 67"/>
+          <p:cNvPicPr preferRelativeResize="0"/>
           <p:nvPr/>
-        </p:nvSpPr>
-        <p:spPr>
-          <a:xfrm>
-            <a:off x="116875" y="1395900"/>
-            <a:ext cx="4785900" cy="3121800"/>
+        </p:nvPicPr>
+        <p:blipFill>
+          <a:blip r:embed="rId3">
+            <a:alphaModFix/>
+          </a:blip>
+          <a:stretch>
+            <a:fillRect/>
+          </a:stretch>
+        </p:blipFill>
+        <p:spPr>
+          <a:xfrm>
+            <a:off x="2379199" y="806912"/>
+            <a:ext cx="6275001" cy="3529677"/>
           </a:xfrm>
           <a:prstGeom prst="rect">
             <a:avLst/>
@@ -4963,465 +5350,7 @@
             <a:noFill/>
           </a:ln>
         </p:spPr>
-        <p:txBody>
-          <a:bodyPr anchorCtr="0" anchor="t" bIns="91425" lIns="91425" rIns="91425" tIns="91425">
-            <a:noAutofit/>
-          </a:bodyPr>
-          <a:lstStyle/>
-          <a:p>
-            <a:pPr lvl="0">
-              <a:spcBef>
-                <a:spcPts val="0"/>
-              </a:spcBef>
-              <a:buNone/>
-            </a:pPr>
-            <a:r>
-              <a:rPr lang="ja" sz="3600">
-                <a:solidFill>
-                  <a:srgbClr val="FF00FF"/>
-                </a:solidFill>
-                <a:latin typeface="Comic Sans MS"/>
-                <a:ea typeface="Comic Sans MS"/>
-                <a:cs typeface="Comic Sans MS"/>
-                <a:sym typeface="Comic Sans MS"/>
-              </a:rPr>
-              <a:t>Reader</a:t>
-            </a:r>
-            <a:r>
-              <a:rPr lang="ja" sz="3600">
-                <a:latin typeface="Comic Sans MS"/>
-                <a:ea typeface="Comic Sans MS"/>
-                <a:cs typeface="Comic Sans MS"/>
-                <a:sym typeface="Comic Sans MS"/>
-              </a:rPr>
-              <a:t>　：　Hiramoto </a:t>
-            </a:r>
-          </a:p>
-          <a:p>
-            <a:pPr lvl="0">
-              <a:spcBef>
-                <a:spcPts val="0"/>
-              </a:spcBef>
-              <a:buNone/>
-            </a:pPr>
-            <a:r>
-              <a:rPr lang="ja" sz="3600">
-                <a:solidFill>
-                  <a:srgbClr val="0000FF"/>
-                </a:solidFill>
-                <a:latin typeface="Comic Sans MS"/>
-                <a:ea typeface="Comic Sans MS"/>
-                <a:cs typeface="Comic Sans MS"/>
-                <a:sym typeface="Comic Sans MS"/>
-              </a:rPr>
-              <a:t>Others</a:t>
-            </a:r>
-            <a:r>
-              <a:rPr lang="ja" sz="3600">
-                <a:latin typeface="Comic Sans MS"/>
-                <a:ea typeface="Comic Sans MS"/>
-                <a:cs typeface="Comic Sans MS"/>
-                <a:sym typeface="Comic Sans MS"/>
-              </a:rPr>
-              <a:t>  :  Takagi</a:t>
-            </a:r>
-          </a:p>
-          <a:p>
-            <a:pPr lvl="0">
-              <a:spcBef>
-                <a:spcPts val="0"/>
-              </a:spcBef>
-              <a:buNone/>
-            </a:pPr>
-            <a:r>
-              <a:rPr lang="ja" sz="3600">
-                <a:latin typeface="Comic Sans MS"/>
-                <a:ea typeface="Comic Sans MS"/>
-                <a:cs typeface="Comic Sans MS"/>
-                <a:sym typeface="Comic Sans MS"/>
-              </a:rPr>
-              <a:t>			  　Kajitani (T)</a:t>
-            </a:r>
-          </a:p>
-          <a:p>
-            <a:pPr lvl="0">
-              <a:spcBef>
-                <a:spcPts val="0"/>
-              </a:spcBef>
-              <a:buNone/>
-            </a:pPr>
-            <a:r>
-              <a:rPr lang="ja" sz="3600">
-                <a:latin typeface="Comic Sans MS"/>
-                <a:ea typeface="Comic Sans MS"/>
-                <a:cs typeface="Comic Sans MS"/>
-                <a:sym typeface="Comic Sans MS"/>
-              </a:rPr>
-              <a:t>			  　Kajitani (R)</a:t>
-            </a:r>
-          </a:p>
-          <a:p>
-            <a:pPr lvl="0">
-              <a:spcBef>
-                <a:spcPts val="0"/>
-              </a:spcBef>
-              <a:buNone/>
-            </a:pPr>
-            <a:r>
-              <a:rPr lang="ja" sz="3600">
-                <a:latin typeface="Comic Sans MS"/>
-                <a:ea typeface="Comic Sans MS"/>
-                <a:cs typeface="Comic Sans MS"/>
-                <a:sym typeface="Comic Sans MS"/>
-              </a:rPr>
-              <a:t>			 　 Nakano</a:t>
-            </a:r>
-          </a:p>
-        </p:txBody>
-      </p:sp>
-      <p:sp>
-        <p:nvSpPr>
-          <p:cNvPr id="68" name="Shape 68"/>
-          <p:cNvSpPr/>
-          <p:nvPr/>
-        </p:nvSpPr>
-        <p:spPr>
-          <a:xfrm>
-            <a:off x="4737725" y="791675"/>
-            <a:ext cx="2984400" cy="672900"/>
-          </a:xfrm>
-          <a:prstGeom prst="wedgeEllipseCallout">
-            <a:avLst>
-              <a:gd fmla="val -53454" name="adj1"/>
-              <a:gd fmla="val 79648" name="adj2"/>
-            </a:avLst>
-          </a:prstGeom>
-          <a:solidFill>
-            <a:schemeClr val="accent4"/>
-          </a:solidFill>
-          <a:ln cap="flat" cmpd="sng" w="9525">
-            <a:solidFill>
-              <a:schemeClr val="dk2"/>
-            </a:solidFill>
-            <a:prstDash val="solid"/>
-            <a:round/>
-            <a:headEnd len="med" w="med" type="none"/>
-            <a:tailEnd len="med" w="med" type="none"/>
-          </a:ln>
-        </p:spPr>
-        <p:txBody>
-          <a:bodyPr anchorCtr="0" anchor="ctr" bIns="91425" lIns="91425" rIns="91425" tIns="91425">
-            <a:noAutofit/>
-          </a:bodyPr>
-          <a:lstStyle/>
-          <a:p>
-            <a:pPr lvl="0">
-              <a:spcBef>
-                <a:spcPts val="0"/>
-              </a:spcBef>
-              <a:buNone/>
-            </a:pPr>
-            <a:r>
-              <a:rPr lang="ja"/>
-              <a:t>From:</a:t>
-            </a:r>
-          </a:p>
-          <a:p>
-            <a:pPr lvl="0">
-              <a:spcBef>
-                <a:spcPts val="0"/>
-              </a:spcBef>
-              <a:buNone/>
-            </a:pPr>
-            <a:r>
-              <a:rPr lang="ja"/>
-              <a:t>Like:</a:t>
-            </a:r>
-          </a:p>
-        </p:txBody>
-      </p:sp>
-      <p:sp>
-        <p:nvSpPr>
-          <p:cNvPr id="69" name="Shape 69"/>
-          <p:cNvSpPr/>
-          <p:nvPr/>
-        </p:nvSpPr>
-        <p:spPr>
-          <a:xfrm>
-            <a:off x="5542350" y="1595350"/>
-            <a:ext cx="3300600" cy="570600"/>
-          </a:xfrm>
-          <a:prstGeom prst="wedgeEllipseCallout">
-            <a:avLst>
-              <a:gd fmla="val -82199" name="adj1"/>
-              <a:gd fmla="val 62075" name="adj2"/>
-            </a:avLst>
-          </a:prstGeom>
-          <a:solidFill>
-            <a:schemeClr val="accent4"/>
-          </a:solidFill>
-          <a:ln cap="flat" cmpd="sng" w="9525">
-            <a:solidFill>
-              <a:schemeClr val="dk2"/>
-            </a:solidFill>
-            <a:prstDash val="solid"/>
-            <a:round/>
-            <a:headEnd len="med" w="med" type="none"/>
-            <a:tailEnd len="med" w="med" type="none"/>
-          </a:ln>
-        </p:spPr>
-        <p:txBody>
-          <a:bodyPr anchorCtr="0" anchor="ctr" bIns="91425" lIns="91425" rIns="91425" tIns="91425">
-            <a:noAutofit/>
-          </a:bodyPr>
-          <a:lstStyle/>
-          <a:p>
-            <a:pPr lvl="0">
-              <a:spcBef>
-                <a:spcPts val="0"/>
-              </a:spcBef>
-              <a:buNone/>
-            </a:pPr>
-            <a:r>
-              <a:rPr lang="ja"/>
-              <a:t>From:Hyogo</a:t>
-            </a:r>
-          </a:p>
-          <a:p>
-            <a:pPr lvl="0">
-              <a:spcBef>
-                <a:spcPts val="0"/>
-              </a:spcBef>
-              <a:buNone/>
-            </a:pPr>
-            <a:r>
-              <a:rPr lang="ja"/>
-              <a:t>Like:Trip</a:t>
-            </a:r>
-          </a:p>
-        </p:txBody>
-      </p:sp>
-      <p:sp>
-        <p:nvSpPr>
-          <p:cNvPr id="70" name="Shape 70"/>
-          <p:cNvSpPr/>
-          <p:nvPr/>
-        </p:nvSpPr>
-        <p:spPr>
-          <a:xfrm>
-            <a:off x="5507975" y="2343100"/>
-            <a:ext cx="3039300" cy="799500"/>
-          </a:xfrm>
-          <a:prstGeom prst="wedgeEllipseCallout">
-            <a:avLst>
-              <a:gd fmla="val -75656" name="adj1"/>
-              <a:gd fmla="val 936" name="adj2"/>
-            </a:avLst>
-          </a:prstGeom>
-          <a:solidFill>
-            <a:schemeClr val="accent4"/>
-          </a:solidFill>
-          <a:ln cap="flat" cmpd="sng" w="9525">
-            <a:solidFill>
-              <a:schemeClr val="dk2"/>
-            </a:solidFill>
-            <a:prstDash val="solid"/>
-            <a:round/>
-            <a:headEnd len="med" w="med" type="none"/>
-            <a:tailEnd len="med" w="med" type="none"/>
-          </a:ln>
-        </p:spPr>
-        <p:txBody>
-          <a:bodyPr anchorCtr="0" anchor="ctr" bIns="91425" lIns="91425" rIns="91425" tIns="91425">
-            <a:noAutofit/>
-          </a:bodyPr>
-          <a:lstStyle/>
-          <a:p>
-            <a:pPr lvl="0">
-              <a:spcBef>
-                <a:spcPts val="0"/>
-              </a:spcBef>
-              <a:buNone/>
-            </a:pPr>
-            <a:r>
-              <a:rPr lang="ja"/>
-              <a:t>From:</a:t>
-            </a:r>
-          </a:p>
-          <a:p>
-            <a:pPr lvl="0">
-              <a:spcBef>
-                <a:spcPts val="0"/>
-              </a:spcBef>
-              <a:buNone/>
-            </a:pPr>
-            <a:r>
-              <a:rPr lang="ja"/>
-              <a:t>Like:</a:t>
-            </a:r>
-          </a:p>
-        </p:txBody>
-      </p:sp>
-      <p:sp>
-        <p:nvSpPr>
-          <p:cNvPr id="71" name="Shape 71"/>
-          <p:cNvSpPr/>
-          <p:nvPr/>
-        </p:nvSpPr>
-        <p:spPr>
-          <a:xfrm>
-            <a:off x="5542350" y="3458775"/>
-            <a:ext cx="3156300" cy="625800"/>
-          </a:xfrm>
-          <a:prstGeom prst="wedgeEllipseCallout">
-            <a:avLst>
-              <a:gd fmla="val -80144" name="adj1"/>
-              <a:gd fmla="val -51095" name="adj2"/>
-            </a:avLst>
-          </a:prstGeom>
-          <a:solidFill>
-            <a:schemeClr val="accent4"/>
-          </a:solidFill>
-          <a:ln cap="flat" cmpd="sng" w="9525">
-            <a:solidFill>
-              <a:schemeClr val="dk2"/>
-            </a:solidFill>
-            <a:prstDash val="solid"/>
-            <a:round/>
-            <a:headEnd len="med" w="med" type="none"/>
-            <a:tailEnd len="med" w="med" type="none"/>
-          </a:ln>
-        </p:spPr>
-        <p:txBody>
-          <a:bodyPr anchorCtr="0" anchor="ctr" bIns="91425" lIns="91425" rIns="91425" tIns="91425">
-            <a:noAutofit/>
-          </a:bodyPr>
-          <a:lstStyle/>
-          <a:p>
-            <a:pPr lvl="0">
-              <a:spcBef>
-                <a:spcPts val="0"/>
-              </a:spcBef>
-              <a:buNone/>
-            </a:pPr>
-            <a:r>
-              <a:rPr lang="ja"/>
-              <a:t>From:</a:t>
-            </a:r>
-          </a:p>
-          <a:p>
-            <a:pPr lvl="0">
-              <a:spcBef>
-                <a:spcPts val="0"/>
-              </a:spcBef>
-              <a:buNone/>
-            </a:pPr>
-            <a:r>
-              <a:rPr lang="ja"/>
-              <a:t>Like:	</a:t>
-            </a:r>
-          </a:p>
-        </p:txBody>
-      </p:sp>
-      <p:sp>
-        <p:nvSpPr>
-          <p:cNvPr id="72" name="Shape 72"/>
-          <p:cNvSpPr/>
-          <p:nvPr/>
-        </p:nvSpPr>
-        <p:spPr>
-          <a:xfrm>
-            <a:off x="3761375" y="4153300"/>
-            <a:ext cx="3266100" cy="722100"/>
-          </a:xfrm>
-          <a:prstGeom prst="wedgeEllipseCallout">
-            <a:avLst>
-              <a:gd fmla="val -42553" name="adj1"/>
-              <a:gd fmla="val -67373" name="adj2"/>
-            </a:avLst>
-          </a:prstGeom>
-          <a:solidFill>
-            <a:schemeClr val="accent4"/>
-          </a:solidFill>
-          <a:ln cap="flat" cmpd="sng" w="9525">
-            <a:solidFill>
-              <a:schemeClr val="dk2"/>
-            </a:solidFill>
-            <a:prstDash val="solid"/>
-            <a:round/>
-            <a:headEnd len="med" w="med" type="none"/>
-            <a:tailEnd len="med" w="med" type="none"/>
-          </a:ln>
-        </p:spPr>
-        <p:txBody>
-          <a:bodyPr anchorCtr="0" anchor="ctr" bIns="91425" lIns="91425" rIns="91425" tIns="91425">
-            <a:noAutofit/>
-          </a:bodyPr>
-          <a:lstStyle/>
-          <a:p>
-            <a:pPr lvl="0">
-              <a:spcBef>
-                <a:spcPts val="0"/>
-              </a:spcBef>
-              <a:buNone/>
-            </a:pPr>
-            <a:r>
-              <a:rPr lang="ja"/>
-              <a:t>From:</a:t>
-            </a:r>
-          </a:p>
-          <a:p>
-            <a:pPr lvl="0">
-              <a:spcBef>
-                <a:spcPts val="0"/>
-              </a:spcBef>
-              <a:buNone/>
-            </a:pPr>
-            <a:r>
-              <a:rPr lang="ja"/>
-              <a:t>Like:</a:t>
-            </a:r>
-          </a:p>
-        </p:txBody>
-      </p:sp>
-      <p:sp>
-        <p:nvSpPr>
-          <p:cNvPr id="73" name="Shape 73"/>
-          <p:cNvSpPr txBox="1"/>
-          <p:nvPr/>
-        </p:nvSpPr>
-        <p:spPr>
-          <a:xfrm>
-            <a:off x="7254525" y="4696550"/>
-            <a:ext cx="1794600" cy="343800"/>
-          </a:xfrm>
-          <a:prstGeom prst="rect">
-            <a:avLst/>
-          </a:prstGeom>
-          <a:noFill/>
-          <a:ln>
-            <a:noFill/>
-          </a:ln>
-        </p:spPr>
-        <p:txBody>
-          <a:bodyPr anchorCtr="0" anchor="t" bIns="91425" lIns="91425" rIns="91425" tIns="91425">
-            <a:noAutofit/>
-          </a:bodyPr>
-          <a:lstStyle/>
-          <a:p>
-            <a:pPr lvl="0" rtl="0">
-              <a:spcBef>
-                <a:spcPts val="0"/>
-              </a:spcBef>
-              <a:buNone/>
-            </a:pPr>
-            <a:r>
-              <a:rPr lang="ja"/>
-              <a:t>Happy Hacking!</a:t>
-            </a:r>
-          </a:p>
-        </p:txBody>
-      </p:sp>
+      </p:pic>
     </p:spTree>
   </p:cSld>
   <p:clrMapOvr>
@@ -5431,6 +5360,209 @@
 </file>
 
 <file path=ppt/slides/slide3.xml><?xml version="1.0" encoding="utf-8"?>
+<p:sld xmlns:a="http://schemas.openxmlformats.org/drawingml/2006/main" xmlns:r="http://schemas.openxmlformats.org/officeDocument/2006/relationships" xmlns:mc="http://schemas.openxmlformats.org/markup-compatibility/2006" xmlns:mv="urn:schemas-microsoft-com:mac:vml" xmlns:p="http://schemas.openxmlformats.org/presentationml/2006/main" xmlns:c="http://schemas.openxmlformats.org/drawingml/2006/chart" xmlns:dgm="http://schemas.openxmlformats.org/drawingml/2006/diagram" xmlns:o="urn:schemas-microsoft-com:office:office" xmlns:v="urn:schemas-microsoft-com:vml" xmlns:pvml="urn:schemas-microsoft-com:office:powerpoint" xmlns:com="http://schemas.openxmlformats.org/drawingml/2006/compatibility" xmlns:p14="http://schemas.microsoft.com/office/powerpoint/2010/main">
+  <p:cSld>
+    <p:spTree>
+      <p:nvGrpSpPr>
+        <p:cNvPr id="71" name="Shape 71"/>
+        <p:cNvGrpSpPr/>
+        <p:nvPr/>
+      </p:nvGrpSpPr>
+      <p:grpSpPr>
+        <a:xfrm>
+          <a:off x="0" y="0"/>
+          <a:ext cx="0" cy="0"/>
+          <a:chOff x="0" y="0"/>
+          <a:chExt cx="0" cy="0"/>
+        </a:xfrm>
+      </p:grpSpPr>
+      <p:sp>
+        <p:nvSpPr>
+          <p:cNvPr id="72" name="Shape 72"/>
+          <p:cNvSpPr txBox="1"/>
+          <p:nvPr>
+            <p:ph type="title"/>
+          </p:nvPr>
+        </p:nvSpPr>
+        <p:spPr>
+          <a:xfrm>
+            <a:off x="311700" y="445025"/>
+            <a:ext cx="8520600" cy="613200"/>
+          </a:xfrm>
+          <a:prstGeom prst="rect">
+            <a:avLst/>
+          </a:prstGeom>
+        </p:spPr>
+        <p:txBody>
+          <a:bodyPr anchorCtr="0" anchor="t" bIns="91425" lIns="91425" rIns="91425" tIns="91425">
+            <a:noAutofit/>
+          </a:bodyPr>
+          <a:lstStyle/>
+          <a:p>
+            <a:pPr lvl="0">
+              <a:spcBef>
+                <a:spcPts val="0"/>
+              </a:spcBef>
+              <a:buNone/>
+            </a:pPr>
+            <a:r>
+              <a:rPr lang="ja"/>
+              <a:t>Takagi</a:t>
+            </a:r>
+          </a:p>
+        </p:txBody>
+      </p:sp>
+      <p:sp>
+        <p:nvSpPr>
+          <p:cNvPr id="73" name="Shape 73"/>
+          <p:cNvSpPr txBox="1"/>
+          <p:nvPr/>
+        </p:nvSpPr>
+        <p:spPr>
+          <a:xfrm>
+            <a:off x="662875" y="1750000"/>
+            <a:ext cx="7543200" cy="2582100"/>
+          </a:xfrm>
+          <a:prstGeom prst="rect">
+            <a:avLst/>
+          </a:prstGeom>
+          <a:noFill/>
+          <a:ln>
+            <a:noFill/>
+          </a:ln>
+        </p:spPr>
+        <p:txBody>
+          <a:bodyPr anchorCtr="0" anchor="t" bIns="91425" lIns="91425" rIns="91425" tIns="91425">
+            <a:noAutofit/>
+          </a:bodyPr>
+          <a:lstStyle/>
+          <a:p>
+            <a:pPr lvl="0">
+              <a:spcBef>
+                <a:spcPts val="0"/>
+              </a:spcBef>
+              <a:buNone/>
+            </a:pPr>
+            <a:r>
+              <a:t/>
+            </a:r>
+            <a:endParaRPr/>
+          </a:p>
+          <a:p>
+            <a:pPr lvl="0">
+              <a:spcBef>
+                <a:spcPts val="0"/>
+              </a:spcBef>
+              <a:buNone/>
+            </a:pPr>
+            <a:r>
+              <a:rPr lang="ja"/>
+              <a:t>From : Hyogo </a:t>
+            </a:r>
+          </a:p>
+          <a:p>
+            <a:pPr lvl="0">
+              <a:spcBef>
+                <a:spcPts val="0"/>
+              </a:spcBef>
+              <a:buNone/>
+            </a:pPr>
+            <a:r>
+              <a:rPr lang="ja"/>
+              <a:t>	  </a:t>
+            </a:r>
+            <a:r>
+              <a:rPr lang="ja"/>
+              <a:t>関西学院大学理工学部情報科学科２回</a:t>
+            </a:r>
+          </a:p>
+          <a:p>
+            <a:pPr lvl="0">
+              <a:spcBef>
+                <a:spcPts val="0"/>
+              </a:spcBef>
+              <a:buNone/>
+            </a:pPr>
+            <a:r>
+              <a:t/>
+            </a:r>
+            <a:endParaRPr/>
+          </a:p>
+          <a:p>
+            <a:pPr lvl="0">
+              <a:spcBef>
+                <a:spcPts val="0"/>
+              </a:spcBef>
+              <a:buNone/>
+            </a:pPr>
+            <a:r>
+              <a:rPr lang="ja"/>
+              <a:t>Hobby : Trip </a:t>
+            </a:r>
+          </a:p>
+          <a:p>
+            <a:pPr lvl="0">
+              <a:spcBef>
+                <a:spcPts val="0"/>
+              </a:spcBef>
+              <a:buNone/>
+            </a:pPr>
+            <a:r>
+              <a:t/>
+            </a:r>
+            <a:endParaRPr/>
+          </a:p>
+          <a:p>
+            <a:pPr lvl="0">
+              <a:spcBef>
+                <a:spcPts val="0"/>
+              </a:spcBef>
+              <a:buNone/>
+            </a:pPr>
+            <a:r>
+              <a:rPr lang="ja"/>
+              <a:t>Responsible on : </a:t>
+            </a:r>
+            <a:r>
+              <a:rPr lang="ja"/>
+              <a:t>ダイキストラ法を用いたルート決定部分</a:t>
+            </a:r>
+          </a:p>
+          <a:p>
+            <a:pPr indent="0" lvl="0" marL="0" rtl="0">
+              <a:spcBef>
+                <a:spcPts val="0"/>
+              </a:spcBef>
+              <a:buNone/>
+            </a:pPr>
+            <a:r>
+              <a:t/>
+            </a:r>
+            <a:endParaRPr/>
+          </a:p>
+          <a:p>
+            <a:pPr indent="0" lvl="0" marL="0">
+              <a:spcBef>
+                <a:spcPts val="0"/>
+              </a:spcBef>
+              <a:buNone/>
+            </a:pPr>
+            <a:r>
+              <a:rPr lang="ja"/>
+              <a:t>Impressions : rubyのクラス、メソッドの部分のよい勉強になりました。大きなプログラムをグループ　　　　　　　　　で作成する作業が初めてで、連携や役割分担して期限までに間に合わせることの必　　　　　　　　　要性を知りました。</a:t>
+            </a:r>
+          </a:p>
+        </p:txBody>
+      </p:sp>
+    </p:spTree>
+  </p:cSld>
+  <p:clrMapOvr>
+    <a:masterClrMapping/>
+  </p:clrMapOvr>
+</p:sld>
+</file>
+
+<file path=ppt/slides/slide4.xml><?xml version="1.0" encoding="utf-8"?>
 <p:sld xmlns:a="http://schemas.openxmlformats.org/drawingml/2006/main" xmlns:r="http://schemas.openxmlformats.org/officeDocument/2006/relationships" xmlns:mc="http://schemas.openxmlformats.org/markup-compatibility/2006" xmlns:mv="urn:schemas-microsoft-com:mac:vml" xmlns:p="http://schemas.openxmlformats.org/presentationml/2006/main" xmlns:c="http://schemas.openxmlformats.org/drawingml/2006/chart" xmlns:dgm="http://schemas.openxmlformats.org/drawingml/2006/diagram" xmlns:o="urn:schemas-microsoft-com:office:office" xmlns:v="urn:schemas-microsoft-com:vml" xmlns:pvml="urn:schemas-microsoft-com:office:powerpoint" xmlns:com="http://schemas.openxmlformats.org/drawingml/2006/compatibility" xmlns:p14="http://schemas.microsoft.com/office/powerpoint/2010/main">
   <p:cSld>
     <p:spTree>
@@ -5457,15 +5589,15 @@
         </p:nvSpPr>
         <p:spPr>
           <a:xfrm>
-            <a:off x="512700" y="1893300"/>
-            <a:ext cx="8118600" cy="1522800"/>
+            <a:off x="311700" y="445025"/>
+            <a:ext cx="8520600" cy="613200"/>
           </a:xfrm>
           <a:prstGeom prst="rect">
             <a:avLst/>
           </a:prstGeom>
         </p:spPr>
         <p:txBody>
-          <a:bodyPr anchorCtr="0" anchor="b" bIns="91425" lIns="91425" rIns="91425" tIns="91425">
+          <a:bodyPr anchorCtr="0" anchor="t" bIns="91425" lIns="91425" rIns="91425" tIns="91425">
             <a:noAutofit/>
           </a:bodyPr>
           <a:lstStyle/>
@@ -5478,7 +5610,7 @@
             </a:pPr>
             <a:r>
               <a:rPr lang="ja"/>
-              <a:t>Start the mission!</a:t>
+              <a:t>Kajitani Tomoyuki</a:t>
             </a:r>
           </a:p>
         </p:txBody>
@@ -5491,8 +5623,8 @@
         </p:nvSpPr>
         <p:spPr>
           <a:xfrm>
-            <a:off x="7282025" y="4696550"/>
-            <a:ext cx="1794600" cy="343800"/>
+            <a:off x="1609050" y="1739700"/>
+            <a:ext cx="5239800" cy="2289900"/>
           </a:xfrm>
           <a:prstGeom prst="rect">
             <a:avLst/>
@@ -5508,23 +5640,47 @@
           </a:bodyPr>
           <a:lstStyle/>
           <a:p>
-            <a:pPr lvl="0" rtl="0">
-              <a:spcBef>
-                <a:spcPts val="0"/>
-              </a:spcBef>
+            <a:pPr lvl="0">
+              <a:spcBef>
+                <a:spcPts val="0"/>
+              </a:spcBef>
+              <a:buClr>
+                <a:schemeClr val="dk1"/>
+              </a:buClr>
+              <a:buFont typeface="Arial"/>
+              <a:buNone/>
+            </a:pPr>
+            <a:r>
+              <a:t/>
+            </a:r>
+            <a:endParaRPr>
+              <a:solidFill>
+                <a:schemeClr val="dk1"/>
+              </a:solidFill>
+            </a:endParaRPr>
+          </a:p>
+          <a:p>
+            <a:pPr lvl="0">
+              <a:spcBef>
+                <a:spcPts val="0"/>
+              </a:spcBef>
+              <a:buClr>
+                <a:schemeClr val="dk1"/>
+              </a:buClr>
+              <a:buFont typeface="Arial"/>
               <a:buNone/>
             </a:pPr>
             <a:r>
               <a:rPr lang="ja">
                 <a:solidFill>
-                  <a:schemeClr val="lt1"/>
+                  <a:schemeClr val="dk1"/>
                 </a:solidFill>
               </a:rPr>
-              <a:t>Happy Hacking!</a:t>
-            </a:r>
-          </a:p>
-          <a:p>
-            <a:pPr lvl="0" rtl="0">
+              <a:t>From : 出雲コアカレッジ情報システム科</a:t>
+            </a:r>
+          </a:p>
+          <a:p>
+            <a:pPr lvl="0">
               <a:spcBef>
                 <a:spcPts val="0"/>
               </a:spcBef>
@@ -5533,7 +5689,139 @@
             <a:r>
               <a:t/>
             </a:r>
-            <a:endParaRPr/>
+            <a:endParaRPr>
+              <a:solidFill>
+                <a:schemeClr val="dk1"/>
+              </a:solidFill>
+            </a:endParaRPr>
+          </a:p>
+          <a:p>
+            <a:pPr lvl="0">
+              <a:spcBef>
+                <a:spcPts val="0"/>
+              </a:spcBef>
+              <a:buClr>
+                <a:schemeClr val="dk1"/>
+              </a:buClr>
+              <a:buFont typeface="Arial"/>
+              <a:buNone/>
+            </a:pPr>
+            <a:r>
+              <a:rPr lang="ja">
+                <a:solidFill>
+                  <a:schemeClr val="dk1"/>
+                </a:solidFill>
+              </a:rPr>
+              <a:t>Hobby : マイメロ</a:t>
+            </a:r>
+          </a:p>
+          <a:p>
+            <a:pPr lvl="0">
+              <a:spcBef>
+                <a:spcPts val="0"/>
+              </a:spcBef>
+              <a:buClr>
+                <a:schemeClr val="dk1"/>
+              </a:buClr>
+              <a:buFont typeface="Arial"/>
+              <a:buNone/>
+            </a:pPr>
+            <a:r>
+              <a:t/>
+            </a:r>
+            <a:endParaRPr>
+              <a:solidFill>
+                <a:schemeClr val="dk1"/>
+              </a:solidFill>
+            </a:endParaRPr>
+          </a:p>
+          <a:p>
+            <a:pPr lvl="0">
+              <a:spcBef>
+                <a:spcPts val="0"/>
+              </a:spcBef>
+              <a:buClr>
+                <a:schemeClr val="dk1"/>
+              </a:buClr>
+              <a:buFont typeface="Arial"/>
+              <a:buNone/>
+            </a:pPr>
+            <a:r>
+              <a:rPr lang="ja">
+                <a:solidFill>
+                  <a:schemeClr val="dk1"/>
+                </a:solidFill>
+              </a:rPr>
+              <a:t>Responsible on : クラスswapの作成、main関数</a:t>
+            </a:r>
+          </a:p>
+          <a:p>
+            <a:pPr lvl="0">
+              <a:spcBef>
+                <a:spcPts val="0"/>
+              </a:spcBef>
+              <a:buClr>
+                <a:schemeClr val="dk1"/>
+              </a:buClr>
+              <a:buFont typeface="Arial"/>
+              <a:buNone/>
+            </a:pPr>
+            <a:r>
+              <a:t/>
+            </a:r>
+            <a:endParaRPr>
+              <a:solidFill>
+                <a:schemeClr val="dk1"/>
+              </a:solidFill>
+            </a:endParaRPr>
+          </a:p>
+          <a:p>
+            <a:pPr lvl="0">
+              <a:spcBef>
+                <a:spcPts val="0"/>
+              </a:spcBef>
+              <a:buNone/>
+            </a:pPr>
+            <a:r>
+              <a:rPr lang="ja">
+                <a:solidFill>
+                  <a:schemeClr val="dk1"/>
+                </a:solidFill>
+              </a:rPr>
+              <a:t>Impressions : グループ内での会話の重要性が分かりました。</a:t>
+            </a:r>
+          </a:p>
+          <a:p>
+            <a:pPr lvl="0">
+              <a:spcBef>
+                <a:spcPts val="0"/>
+              </a:spcBef>
+              <a:buNone/>
+            </a:pPr>
+            <a:r>
+              <a:rPr lang="ja">
+                <a:solidFill>
+                  <a:schemeClr val="dk1"/>
+                </a:solidFill>
+              </a:rPr>
+              <a:t>		　　雰囲気は大切です！！</a:t>
+            </a:r>
+          </a:p>
+          <a:p>
+            <a:pPr lvl="0">
+              <a:spcBef>
+                <a:spcPts val="0"/>
+              </a:spcBef>
+              <a:buNone/>
+            </a:pPr>
+            <a:r>
+              <a:t/>
+            </a:r>
+            <a:endParaRPr>
+              <a:solidFill>
+                <a:schemeClr val="dk1"/>
+              </a:solidFill>
+            </a:endParaRPr>
           </a:p>
         </p:txBody>
       </p:sp>
@@ -5545,7 +5833,7 @@
 </p:sld>
 </file>
 
-<file path=ppt/slides/slide4.xml><?xml version="1.0" encoding="utf-8"?>
+<file path=ppt/slides/slide5.xml><?xml version="1.0" encoding="utf-8"?>
 <p:sld xmlns:a="http://schemas.openxmlformats.org/drawingml/2006/main" xmlns:r="http://schemas.openxmlformats.org/officeDocument/2006/relationships" xmlns:mc="http://schemas.openxmlformats.org/markup-compatibility/2006" xmlns:mv="urn:schemas-microsoft-com:mac:vml" xmlns:p="http://schemas.openxmlformats.org/presentationml/2006/main" xmlns:c="http://schemas.openxmlformats.org/drawingml/2006/chart" xmlns:dgm="http://schemas.openxmlformats.org/drawingml/2006/diagram" xmlns:o="urn:schemas-microsoft-com:office:office" xmlns:v="urn:schemas-microsoft-com:vml" xmlns:pvml="urn:schemas-microsoft-com:office:powerpoint" xmlns:com="http://schemas.openxmlformats.org/drawingml/2006/compatibility" xmlns:p14="http://schemas.microsoft.com/office/powerpoint/2010/main">
   <p:cSld>
     <p:spTree>
@@ -5572,6 +5860,421 @@
         </p:nvSpPr>
         <p:spPr>
           <a:xfrm>
+            <a:off x="311700" y="445025"/>
+            <a:ext cx="8520600" cy="613200"/>
+          </a:xfrm>
+          <a:prstGeom prst="rect">
+            <a:avLst/>
+          </a:prstGeom>
+        </p:spPr>
+        <p:txBody>
+          <a:bodyPr anchorCtr="0" anchor="t" bIns="91425" lIns="91425" rIns="91425" tIns="91425">
+            <a:noAutofit/>
+          </a:bodyPr>
+          <a:lstStyle/>
+          <a:p>
+            <a:pPr lvl="0">
+              <a:spcBef>
+                <a:spcPts val="0"/>
+              </a:spcBef>
+              <a:buNone/>
+            </a:pPr>
+            <a:r>
+              <a:rPr lang="ja"/>
+              <a:t>Kajitani Ren</a:t>
+            </a:r>
+          </a:p>
+        </p:txBody>
+      </p:sp>
+      <p:sp>
+        <p:nvSpPr>
+          <p:cNvPr id="85" name="Shape 85"/>
+          <p:cNvSpPr txBox="1"/>
+          <p:nvPr/>
+        </p:nvSpPr>
+        <p:spPr>
+          <a:xfrm>
+            <a:off x="1134600" y="1492725"/>
+            <a:ext cx="6346800" cy="2385600"/>
+          </a:xfrm>
+          <a:prstGeom prst="rect">
+            <a:avLst/>
+          </a:prstGeom>
+          <a:noFill/>
+          <a:ln>
+            <a:noFill/>
+          </a:ln>
+        </p:spPr>
+        <p:txBody>
+          <a:bodyPr anchorCtr="0" anchor="t" bIns="91425" lIns="91425" rIns="91425" tIns="91425">
+            <a:noAutofit/>
+          </a:bodyPr>
+          <a:lstStyle/>
+          <a:p>
+            <a:pPr lvl="0">
+              <a:spcBef>
+                <a:spcPts val="0"/>
+              </a:spcBef>
+              <a:buClr>
+                <a:schemeClr val="dk1"/>
+              </a:buClr>
+              <a:buFont typeface="Arial"/>
+              <a:buNone/>
+            </a:pPr>
+            <a:r>
+              <a:t/>
+            </a:r>
+            <a:endParaRPr>
+              <a:solidFill>
+                <a:schemeClr val="dk1"/>
+              </a:solidFill>
+            </a:endParaRPr>
+          </a:p>
+          <a:p>
+            <a:pPr lvl="0">
+              <a:spcBef>
+                <a:spcPts val="0"/>
+              </a:spcBef>
+              <a:buNone/>
+            </a:pPr>
+            <a:r>
+              <a:rPr lang="ja">
+                <a:solidFill>
+                  <a:schemeClr val="dk1"/>
+                </a:solidFill>
+              </a:rPr>
+              <a:t>From : 島根大学総合理工学部機械・電気電子工学科</a:t>
+            </a:r>
+          </a:p>
+          <a:p>
+            <a:pPr lvl="0">
+              <a:spcBef>
+                <a:spcPts val="0"/>
+              </a:spcBef>
+              <a:buClr>
+                <a:schemeClr val="dk1"/>
+              </a:buClr>
+              <a:buFont typeface="Arial"/>
+              <a:buNone/>
+            </a:pPr>
+            <a:r>
+              <a:t/>
+            </a:r>
+            <a:endParaRPr>
+              <a:solidFill>
+                <a:schemeClr val="dk1"/>
+              </a:solidFill>
+            </a:endParaRPr>
+          </a:p>
+          <a:p>
+            <a:pPr lvl="0">
+              <a:spcBef>
+                <a:spcPts val="0"/>
+              </a:spcBef>
+              <a:buClr>
+                <a:schemeClr val="dk1"/>
+              </a:buClr>
+              <a:buFont typeface="Arial"/>
+              <a:buNone/>
+            </a:pPr>
+            <a:r>
+              <a:rPr lang="ja">
+                <a:solidFill>
+                  <a:schemeClr val="dk1"/>
+                </a:solidFill>
+              </a:rPr>
+              <a:t>Hobby : 酒 </a:t>
+            </a:r>
+          </a:p>
+          <a:p>
+            <a:pPr lvl="0">
+              <a:spcBef>
+                <a:spcPts val="0"/>
+              </a:spcBef>
+              <a:buClr>
+                <a:schemeClr val="dk1"/>
+              </a:buClr>
+              <a:buFont typeface="Arial"/>
+              <a:buNone/>
+            </a:pPr>
+            <a:r>
+              <a:t/>
+            </a:r>
+            <a:endParaRPr>
+              <a:solidFill>
+                <a:schemeClr val="dk1"/>
+              </a:solidFill>
+            </a:endParaRPr>
+          </a:p>
+          <a:p>
+            <a:pPr lvl="0">
+              <a:spcBef>
+                <a:spcPts val="0"/>
+              </a:spcBef>
+              <a:buNone/>
+            </a:pPr>
+            <a:r>
+              <a:rPr lang="ja">
+                <a:solidFill>
+                  <a:schemeClr val="dk1"/>
+                </a:solidFill>
+              </a:rPr>
+              <a:t>Responsible on :　受信したルートアルゴリズムを元にコースを走らせる部分</a:t>
+            </a:r>
+          </a:p>
+          <a:p>
+            <a:pPr lvl="0">
+              <a:spcBef>
+                <a:spcPts val="0"/>
+              </a:spcBef>
+              <a:buClr>
+                <a:schemeClr val="dk1"/>
+              </a:buClr>
+              <a:buFont typeface="Arial"/>
+              <a:buNone/>
+            </a:pPr>
+            <a:r>
+              <a:t/>
+            </a:r>
+            <a:endParaRPr>
+              <a:solidFill>
+                <a:schemeClr val="dk1"/>
+              </a:solidFill>
+            </a:endParaRPr>
+          </a:p>
+          <a:p>
+            <a:pPr lvl="0">
+              <a:spcBef>
+                <a:spcPts val="0"/>
+              </a:spcBef>
+              <a:buClr>
+                <a:schemeClr val="dk1"/>
+              </a:buClr>
+              <a:buFont typeface="Arial"/>
+              <a:buNone/>
+            </a:pPr>
+            <a:r>
+              <a:rPr lang="ja">
+                <a:solidFill>
+                  <a:schemeClr val="dk1"/>
+                </a:solidFill>
+              </a:rPr>
+              <a:t>Impressions :　FUN！</a:t>
+            </a:r>
+          </a:p>
+        </p:txBody>
+      </p:sp>
+    </p:spTree>
+  </p:cSld>
+  <p:clrMapOvr>
+    <a:masterClrMapping/>
+  </p:clrMapOvr>
+</p:sld>
+</file>
+
+<file path=ppt/slides/slide6.xml><?xml version="1.0" encoding="utf-8"?>
+<p:sld xmlns:a="http://schemas.openxmlformats.org/drawingml/2006/main" xmlns:r="http://schemas.openxmlformats.org/officeDocument/2006/relationships" xmlns:mc="http://schemas.openxmlformats.org/markup-compatibility/2006" xmlns:mv="urn:schemas-microsoft-com:mac:vml" xmlns:p="http://schemas.openxmlformats.org/presentationml/2006/main" xmlns:c="http://schemas.openxmlformats.org/drawingml/2006/chart" xmlns:dgm="http://schemas.openxmlformats.org/drawingml/2006/diagram" xmlns:o="urn:schemas-microsoft-com:office:office" xmlns:v="urn:schemas-microsoft-com:vml" xmlns:pvml="urn:schemas-microsoft-com:office:powerpoint" xmlns:com="http://schemas.openxmlformats.org/drawingml/2006/compatibility" xmlns:p14="http://schemas.microsoft.com/office/powerpoint/2010/main">
+  <p:cSld>
+    <p:spTree>
+      <p:nvGrpSpPr>
+        <p:cNvPr id="89" name="Shape 89"/>
+        <p:cNvGrpSpPr/>
+        <p:nvPr/>
+      </p:nvGrpSpPr>
+      <p:grpSpPr>
+        <a:xfrm>
+          <a:off x="0" y="0"/>
+          <a:ext cx="0" cy="0"/>
+          <a:chOff x="0" y="0"/>
+          <a:chExt cx="0" cy="0"/>
+        </a:xfrm>
+      </p:grpSpPr>
+      <p:sp>
+        <p:nvSpPr>
+          <p:cNvPr id="90" name="Shape 90"/>
+          <p:cNvSpPr txBox="1"/>
+          <p:nvPr>
+            <p:ph type="title"/>
+          </p:nvPr>
+        </p:nvSpPr>
+        <p:spPr>
+          <a:xfrm>
+            <a:off x="311700" y="445025"/>
+            <a:ext cx="8520600" cy="613200"/>
+          </a:xfrm>
+          <a:prstGeom prst="rect">
+            <a:avLst/>
+          </a:prstGeom>
+        </p:spPr>
+        <p:txBody>
+          <a:bodyPr anchorCtr="0" anchor="t" bIns="91425" lIns="91425" rIns="91425" tIns="91425">
+            <a:noAutofit/>
+          </a:bodyPr>
+          <a:lstStyle/>
+          <a:p>
+            <a:pPr lvl="0">
+              <a:spcBef>
+                <a:spcPts val="0"/>
+              </a:spcBef>
+              <a:buNone/>
+            </a:pPr>
+            <a:r>
+              <a:rPr lang="ja"/>
+              <a:t>Nakano</a:t>
+            </a:r>
+          </a:p>
+        </p:txBody>
+      </p:sp>
+    </p:spTree>
+  </p:cSld>
+  <p:clrMapOvr>
+    <a:masterClrMapping/>
+  </p:clrMapOvr>
+</p:sld>
+</file>
+
+<file path=ppt/slides/slide7.xml><?xml version="1.0" encoding="utf-8"?>
+<p:sld xmlns:a="http://schemas.openxmlformats.org/drawingml/2006/main" xmlns:r="http://schemas.openxmlformats.org/officeDocument/2006/relationships" xmlns:mc="http://schemas.openxmlformats.org/markup-compatibility/2006" xmlns:mv="urn:schemas-microsoft-com:mac:vml" xmlns:p="http://schemas.openxmlformats.org/presentationml/2006/main" xmlns:c="http://schemas.openxmlformats.org/drawingml/2006/chart" xmlns:dgm="http://schemas.openxmlformats.org/drawingml/2006/diagram" xmlns:o="urn:schemas-microsoft-com:office:office" xmlns:v="urn:schemas-microsoft-com:vml" xmlns:pvml="urn:schemas-microsoft-com:office:powerpoint" xmlns:com="http://schemas.openxmlformats.org/drawingml/2006/compatibility" xmlns:p14="http://schemas.microsoft.com/office/powerpoint/2010/main">
+  <p:cSld>
+    <p:spTree>
+      <p:nvGrpSpPr>
+        <p:cNvPr id="94" name="Shape 94"/>
+        <p:cNvGrpSpPr/>
+        <p:nvPr/>
+      </p:nvGrpSpPr>
+      <p:grpSpPr>
+        <a:xfrm>
+          <a:off x="0" y="0"/>
+          <a:ext cx="0" cy="0"/>
+          <a:chOff x="0" y="0"/>
+          <a:chExt cx="0" cy="0"/>
+        </a:xfrm>
+      </p:grpSpPr>
+      <p:sp>
+        <p:nvSpPr>
+          <p:cNvPr id="95" name="Shape 95"/>
+          <p:cNvSpPr txBox="1"/>
+          <p:nvPr>
+            <p:ph type="title"/>
+          </p:nvPr>
+        </p:nvSpPr>
+        <p:spPr>
+          <a:xfrm>
+            <a:off x="512700" y="1893300"/>
+            <a:ext cx="8118600" cy="1522800"/>
+          </a:xfrm>
+          <a:prstGeom prst="rect">
+            <a:avLst/>
+          </a:prstGeom>
+        </p:spPr>
+        <p:txBody>
+          <a:bodyPr anchorCtr="0" anchor="b" bIns="91425" lIns="91425" rIns="91425" tIns="91425">
+            <a:noAutofit/>
+          </a:bodyPr>
+          <a:lstStyle/>
+          <a:p>
+            <a:pPr lvl="0">
+              <a:spcBef>
+                <a:spcPts val="0"/>
+              </a:spcBef>
+              <a:buNone/>
+            </a:pPr>
+            <a:r>
+              <a:rPr lang="ja"/>
+              <a:t>Start the mission!</a:t>
+            </a:r>
+          </a:p>
+        </p:txBody>
+      </p:sp>
+      <p:sp>
+        <p:nvSpPr>
+          <p:cNvPr id="96" name="Shape 96"/>
+          <p:cNvSpPr txBox="1"/>
+          <p:nvPr/>
+        </p:nvSpPr>
+        <p:spPr>
+          <a:xfrm>
+            <a:off x="7282025" y="4696550"/>
+            <a:ext cx="1794600" cy="343800"/>
+          </a:xfrm>
+          <a:prstGeom prst="rect">
+            <a:avLst/>
+          </a:prstGeom>
+          <a:noFill/>
+          <a:ln>
+            <a:noFill/>
+          </a:ln>
+        </p:spPr>
+        <p:txBody>
+          <a:bodyPr anchorCtr="0" anchor="t" bIns="91425" lIns="91425" rIns="91425" tIns="91425">
+            <a:noAutofit/>
+          </a:bodyPr>
+          <a:lstStyle/>
+          <a:p>
+            <a:pPr lvl="0" rtl="0">
+              <a:spcBef>
+                <a:spcPts val="0"/>
+              </a:spcBef>
+              <a:buNone/>
+            </a:pPr>
+            <a:r>
+              <a:rPr lang="ja">
+                <a:solidFill>
+                  <a:schemeClr val="lt1"/>
+                </a:solidFill>
+              </a:rPr>
+              <a:t>Happy Hacking!</a:t>
+            </a:r>
+          </a:p>
+          <a:p>
+            <a:pPr lvl="0" rtl="0">
+              <a:spcBef>
+                <a:spcPts val="0"/>
+              </a:spcBef>
+              <a:buNone/>
+            </a:pPr>
+            <a:r>
+              <a:t/>
+            </a:r>
+            <a:endParaRPr/>
+          </a:p>
+        </p:txBody>
+      </p:sp>
+    </p:spTree>
+  </p:cSld>
+  <p:clrMapOvr>
+    <a:masterClrMapping/>
+  </p:clrMapOvr>
+</p:sld>
+</file>
+
+<file path=ppt/slides/slide8.xml><?xml version="1.0" encoding="utf-8"?>
+<p:sld xmlns:a="http://schemas.openxmlformats.org/drawingml/2006/main" xmlns:r="http://schemas.openxmlformats.org/officeDocument/2006/relationships" xmlns:mc="http://schemas.openxmlformats.org/markup-compatibility/2006" xmlns:mv="urn:schemas-microsoft-com:mac:vml" xmlns:p="http://schemas.openxmlformats.org/presentationml/2006/main" xmlns:c="http://schemas.openxmlformats.org/drawingml/2006/chart" xmlns:dgm="http://schemas.openxmlformats.org/drawingml/2006/diagram" xmlns:o="urn:schemas-microsoft-com:office:office" xmlns:v="urn:schemas-microsoft-com:vml" xmlns:pvml="urn:schemas-microsoft-com:office:powerpoint" xmlns:com="http://schemas.openxmlformats.org/drawingml/2006/compatibility" xmlns:p14="http://schemas.microsoft.com/office/powerpoint/2010/main">
+  <p:cSld>
+    <p:spTree>
+      <p:nvGrpSpPr>
+        <p:cNvPr id="100" name="Shape 100"/>
+        <p:cNvGrpSpPr/>
+        <p:nvPr/>
+      </p:nvGrpSpPr>
+      <p:grpSpPr>
+        <a:xfrm>
+          <a:off x="0" y="0"/>
+          <a:ext cx="0" cy="0"/>
+          <a:chOff x="0" y="0"/>
+          <a:chExt cx="0" cy="0"/>
+        </a:xfrm>
+      </p:grpSpPr>
+      <p:sp>
+        <p:nvSpPr>
+          <p:cNvPr id="101" name="Shape 101"/>
+          <p:cNvSpPr txBox="1"/>
+          <p:nvPr>
+            <p:ph type="title"/>
+          </p:nvPr>
+        </p:nvSpPr>
+        <p:spPr>
+          <a:xfrm>
             <a:off x="229200" y="160775"/>
             <a:ext cx="8520600" cy="613200"/>
           </a:xfrm>
@@ -5605,7 +6308,7 @@
       </p:sp>
       <p:sp>
         <p:nvSpPr>
-          <p:cNvPr id="85" name="Shape 85"/>
+          <p:cNvPr id="102" name="Shape 102"/>
           <p:cNvSpPr txBox="1"/>
           <p:nvPr>
             <p:ph idx="1" type="body"/>
@@ -5686,7 +6389,7 @@
       </p:sp>
       <p:sp>
         <p:nvSpPr>
-          <p:cNvPr id="86" name="Shape 86"/>
+          <p:cNvPr id="103" name="Shape 103"/>
           <p:cNvSpPr txBox="1"/>
           <p:nvPr/>
         </p:nvSpPr>
@@ -5724,7 +6427,7 @@
       </p:sp>
       <p:sp>
         <p:nvSpPr>
-          <p:cNvPr id="87" name="Shape 87"/>
+          <p:cNvPr id="104" name="Shape 104"/>
           <p:cNvSpPr txBox="1"/>
           <p:nvPr/>
         </p:nvSpPr>
@@ -5860,7 +6563,7 @@
       </p:sp>
       <p:sp>
         <p:nvSpPr>
-          <p:cNvPr id="88" name="Shape 88"/>
+          <p:cNvPr id="105" name="Shape 105"/>
           <p:cNvSpPr txBox="1"/>
           <p:nvPr/>
         </p:nvSpPr>
@@ -5904,7 +6607,7 @@
       </p:sp>
       <p:sp>
         <p:nvSpPr>
-          <p:cNvPr id="89" name="Shape 89"/>
+          <p:cNvPr id="106" name="Shape 106"/>
           <p:cNvSpPr/>
           <p:nvPr/>
         </p:nvSpPr>
@@ -5953,7 +6656,7 @@
       </p:sp>
       <p:sp>
         <p:nvSpPr>
-          <p:cNvPr id="90" name="Shape 90"/>
+          <p:cNvPr id="107" name="Shape 107"/>
           <p:cNvSpPr txBox="1"/>
           <p:nvPr/>
         </p:nvSpPr>
@@ -5997,7 +6700,7 @@
       </p:sp>
       <p:sp>
         <p:nvSpPr>
-          <p:cNvPr id="91" name="Shape 91"/>
+          <p:cNvPr id="108" name="Shape 108"/>
           <p:cNvSpPr txBox="1"/>
           <p:nvPr/>
         </p:nvSpPr>
@@ -6041,12 +6744,12 @@
 </p:sld>
 </file>
 
-<file path=ppt/slides/slide5.xml><?xml version="1.0" encoding="utf-8"?>
+<file path=ppt/slides/slide9.xml><?xml version="1.0" encoding="utf-8"?>
 <p:sld xmlns:a="http://schemas.openxmlformats.org/drawingml/2006/main" xmlns:r="http://schemas.openxmlformats.org/officeDocument/2006/relationships" xmlns:mc="http://schemas.openxmlformats.org/markup-compatibility/2006" xmlns:mv="urn:schemas-microsoft-com:mac:vml" xmlns:p="http://schemas.openxmlformats.org/presentationml/2006/main" xmlns:c="http://schemas.openxmlformats.org/drawingml/2006/chart" xmlns:dgm="http://schemas.openxmlformats.org/drawingml/2006/diagram" xmlns:o="urn:schemas-microsoft-com:office:office" xmlns:v="urn:schemas-microsoft-com:vml" xmlns:pvml="urn:schemas-microsoft-com:office:powerpoint" xmlns:com="http://schemas.openxmlformats.org/drawingml/2006/compatibility" xmlns:p14="http://schemas.microsoft.com/office/powerpoint/2010/main">
   <p:cSld>
     <p:spTree>
       <p:nvGrpSpPr>
-        <p:cNvPr id="95" name="Shape 95"/>
+        <p:cNvPr id="112" name="Shape 112"/>
         <p:cNvGrpSpPr/>
         <p:nvPr/>
       </p:nvGrpSpPr>
@@ -6060,7 +6763,7 @@
       </p:grpSpPr>
       <p:sp>
         <p:nvSpPr>
-          <p:cNvPr id="96" name="Shape 96"/>
+          <p:cNvPr id="113" name="Shape 113"/>
           <p:cNvSpPr txBox="1"/>
           <p:nvPr>
             <p:ph type="title"/>
@@ -6096,7 +6799,7 @@
       </p:sp>
       <p:sp>
         <p:nvSpPr>
-          <p:cNvPr id="97" name="Shape 97"/>
+          <p:cNvPr id="114" name="Shape 114"/>
           <p:cNvSpPr txBox="1"/>
           <p:nvPr/>
         </p:nvSpPr>
@@ -6145,6 +6848,285 @@
 </file>
 
 <file path=ppt/theme/theme1.xml><?xml version="1.0" encoding="utf-8"?>
+<a:theme xmlns:a="http://schemas.openxmlformats.org/drawingml/2006/main" xmlns:r="http://schemas.openxmlformats.org/officeDocument/2006/relationships" name="paperback">
+  <a:themeElements>
+    <a:clrScheme name="Paperback">
+      <a:dk1>
+        <a:srgbClr val="000000"/>
+      </a:dk1>
+      <a:lt1>
+        <a:srgbClr val="FFFFFF"/>
+      </a:lt1>
+      <a:dk2>
+        <a:srgbClr val="00695C"/>
+      </a:dk2>
+      <a:lt2>
+        <a:srgbClr val="26A69A"/>
+      </a:lt2>
+      <a:accent1>
+        <a:srgbClr val="FFFBF0"/>
+      </a:accent1>
+      <a:accent2>
+        <a:srgbClr val="B7B7B7"/>
+      </a:accent2>
+      <a:accent3>
+        <a:srgbClr val="FB8C00"/>
+      </a:accent3>
+      <a:accent4>
+        <a:srgbClr val="80CBC4"/>
+      </a:accent4>
+      <a:accent5>
+        <a:srgbClr val="AF4345"/>
+      </a:accent5>
+      <a:accent6>
+        <a:srgbClr val="F58F8F"/>
+      </a:accent6>
+      <a:hlink>
+        <a:srgbClr val="AF4345"/>
+      </a:hlink>
+      <a:folHlink>
+        <a:srgbClr val="AF4345"/>
+      </a:folHlink>
+    </a:clrScheme>
+    <a:fontScheme name="Office">
+      <a:majorFont>
+        <a:latin typeface="Arial"/>
+        <a:ea typeface=""/>
+        <a:cs typeface=""/>
+        <a:font script="Jpan" typeface="ＭＳ Ｐゴシック"/>
+        <a:font script="Hang" typeface="맑은 고딕"/>
+        <a:font script="Hans" typeface="宋体"/>
+        <a:font script="Hant" typeface="新細明體"/>
+        <a:font script="Arab" typeface="Times New Roman"/>
+        <a:font script="Hebr" typeface="Times New Roman"/>
+        <a:font script="Thai" typeface="Angsana New"/>
+        <a:font script="Ethi" typeface="Nyala"/>
+        <a:font script="Beng" typeface="Vrinda"/>
+        <a:font script="Gujr" typeface="Shruti"/>
+        <a:font script="Khmr" typeface="MoolBoran"/>
+        <a:font script="Knda" typeface="Tunga"/>
+        <a:font script="Guru" typeface="Raavi"/>
+        <a:font script="Cans" typeface="Euphemia"/>
+        <a:font script="Cher" typeface="Plantagenet Cherokee"/>
+        <a:font script="Yiii" typeface="Microsoft Yi Baiti"/>
+        <a:font script="Tibt" typeface="Microsoft Himalaya"/>
+        <a:font script="Thaa" typeface="MV Boli"/>
+        <a:font script="Deva" typeface="Mangal"/>
+        <a:font script="Telu" typeface="Gautami"/>
+        <a:font script="Taml" typeface="Latha"/>
+        <a:font script="Syrc" typeface="Estrangelo Edessa"/>
+        <a:font script="Orya" typeface="Kalinga"/>
+        <a:font script="Mlym" typeface="Kartika"/>
+        <a:font script="Laoo" typeface="DokChampa"/>
+        <a:font script="Sinh" typeface="Iskoola Pota"/>
+        <a:font script="Mong" typeface="Mongolian Baiti"/>
+        <a:font script="Viet" typeface="Times New Roman"/>
+        <a:font script="Uigh" typeface="Microsoft Uighur"/>
+        <a:font script="Geor" typeface="Sylfaen"/>
+      </a:majorFont>
+      <a:minorFont>
+        <a:latin typeface="Arial"/>
+        <a:ea typeface=""/>
+        <a:cs typeface=""/>
+        <a:font script="Jpan" typeface="ＭＳ Ｐゴシック"/>
+        <a:font script="Hang" typeface="맑은 고딕"/>
+        <a:font script="Hans" typeface="宋体"/>
+        <a:font script="Hant" typeface="新細明體"/>
+        <a:font script="Arab" typeface="Arial"/>
+        <a:font script="Hebr" typeface="Arial"/>
+        <a:font script="Thai" typeface="Cordia New"/>
+        <a:font script="Ethi" typeface="Nyala"/>
+        <a:font script="Beng" typeface="Vrinda"/>
+        <a:font script="Gujr" typeface="Shruti"/>
+        <a:font script="Khmr" typeface="DaunPenh"/>
+        <a:font script="Knda" typeface="Tunga"/>
+        <a:font script="Guru" typeface="Raavi"/>
+        <a:font script="Cans" typeface="Euphemia"/>
+        <a:font script="Cher" typeface="Plantagenet Cherokee"/>
+        <a:font script="Yiii" typeface="Microsoft Yi Baiti"/>
+        <a:font script="Tibt" typeface="Microsoft Himalaya"/>
+        <a:font script="Thaa" typeface="MV Boli"/>
+        <a:font script="Deva" typeface="Mangal"/>
+        <a:font script="Telu" typeface="Gautami"/>
+        <a:font script="Taml" typeface="Latha"/>
+        <a:font script="Syrc" typeface="Estrangelo Edessa"/>
+        <a:font script="Orya" typeface="Kalinga"/>
+        <a:font script="Mlym" typeface="Kartika"/>
+        <a:font script="Laoo" typeface="DokChampa"/>
+        <a:font script="Sinh" typeface="Iskoola Pota"/>
+        <a:font script="Mong" typeface="Mongolian Baiti"/>
+        <a:font script="Viet" typeface="Arial"/>
+        <a:font script="Uigh" typeface="Microsoft Uighur"/>
+        <a:font script="Geor" typeface="Sylfaen"/>
+      </a:minorFont>
+    </a:fontScheme>
+    <a:fmtScheme name="Office">
+      <a:fillStyleLst>
+        <a:solidFill>
+          <a:schemeClr val="phClr"/>
+        </a:solidFill>
+        <a:gradFill rotWithShape="1">
+          <a:gsLst>
+            <a:gs pos="0">
+              <a:schemeClr val="phClr">
+                <a:tint val="50000"/>
+                <a:satMod val="300000"/>
+              </a:schemeClr>
+            </a:gs>
+            <a:gs pos="35000">
+              <a:schemeClr val="phClr">
+                <a:tint val="37000"/>
+                <a:satMod val="300000"/>
+              </a:schemeClr>
+            </a:gs>
+            <a:gs pos="100000">
+              <a:schemeClr val="phClr">
+                <a:tint val="15000"/>
+                <a:satMod val="350000"/>
+              </a:schemeClr>
+            </a:gs>
+          </a:gsLst>
+          <a:lin ang="16200000" scaled="1"/>
+        </a:gradFill>
+        <a:gradFill rotWithShape="1">
+          <a:gsLst>
+            <a:gs pos="0">
+              <a:schemeClr val="phClr">
+                <a:tint val="100000"/>
+                <a:shade val="100000"/>
+                <a:satMod val="130000"/>
+              </a:schemeClr>
+            </a:gs>
+            <a:gs pos="100000">
+              <a:schemeClr val="phClr">
+                <a:tint val="50000"/>
+                <a:shade val="100000"/>
+                <a:satMod val="350000"/>
+              </a:schemeClr>
+            </a:gs>
+          </a:gsLst>
+          <a:lin ang="16200000" scaled="0"/>
+        </a:gradFill>
+      </a:fillStyleLst>
+      <a:lnStyleLst>
+        <a:ln w="9525" cap="flat" cmpd="sng" algn="ctr">
+          <a:solidFill>
+            <a:schemeClr val="phClr">
+              <a:shade val="95000"/>
+              <a:satMod val="105000"/>
+            </a:schemeClr>
+          </a:solidFill>
+          <a:prstDash val="solid"/>
+        </a:ln>
+        <a:ln w="25400" cap="flat" cmpd="sng" algn="ctr">
+          <a:solidFill>
+            <a:schemeClr val="phClr"/>
+          </a:solidFill>
+          <a:prstDash val="solid"/>
+        </a:ln>
+        <a:ln w="38100" cap="flat" cmpd="sng" algn="ctr">
+          <a:solidFill>
+            <a:schemeClr val="phClr"/>
+          </a:solidFill>
+          <a:prstDash val="solid"/>
+        </a:ln>
+      </a:lnStyleLst>
+      <a:effectStyleLst>
+        <a:effectStyle>
+          <a:effectLst>
+            <a:outerShdw blurRad="40000" dist="20000" dir="5400000" rotWithShape="0">
+              <a:srgbClr val="000000">
+                <a:alpha val="38000"/>
+              </a:srgbClr>
+            </a:outerShdw>
+          </a:effectLst>
+        </a:effectStyle>
+        <a:effectStyle>
+          <a:effectLst>
+            <a:outerShdw blurRad="40000" dist="23000" dir="5400000" rotWithShape="0">
+              <a:srgbClr val="000000">
+                <a:alpha val="35000"/>
+              </a:srgbClr>
+            </a:outerShdw>
+          </a:effectLst>
+        </a:effectStyle>
+        <a:effectStyle>
+          <a:effectLst>
+            <a:outerShdw blurRad="40000" dist="23000" dir="5400000" rotWithShape="0">
+              <a:srgbClr val="000000">
+                <a:alpha val="35000"/>
+              </a:srgbClr>
+            </a:outerShdw>
+          </a:effectLst>
+          <a:scene3d>
+            <a:camera prst="orthographicFront">
+              <a:rot lat="0" lon="0" rev="0"/>
+            </a:camera>
+            <a:lightRig rig="threePt" dir="t">
+              <a:rot lat="0" lon="0" rev="1200000"/>
+            </a:lightRig>
+          </a:scene3d>
+          <a:sp3d>
+            <a:bevelT w="63500" h="25400"/>
+          </a:sp3d>
+        </a:effectStyle>
+      </a:effectStyleLst>
+      <a:bgFillStyleLst>
+        <a:solidFill>
+          <a:schemeClr val="phClr"/>
+        </a:solidFill>
+        <a:gradFill rotWithShape="1">
+          <a:gsLst>
+            <a:gs pos="0">
+              <a:schemeClr val="phClr">
+                <a:tint val="40000"/>
+                <a:satMod val="350000"/>
+              </a:schemeClr>
+            </a:gs>
+            <a:gs pos="40000">
+              <a:schemeClr val="phClr">
+                <a:tint val="45000"/>
+                <a:shade val="99000"/>
+                <a:satMod val="350000"/>
+              </a:schemeClr>
+            </a:gs>
+            <a:gs pos="100000">
+              <a:schemeClr val="phClr">
+                <a:shade val="20000"/>
+                <a:satMod val="255000"/>
+              </a:schemeClr>
+            </a:gs>
+          </a:gsLst>
+          <a:path path="circle">
+            <a:fillToRect l="50000" t="-80000" r="50000" b="180000"/>
+          </a:path>
+        </a:gradFill>
+        <a:gradFill rotWithShape="1">
+          <a:gsLst>
+            <a:gs pos="0">
+              <a:schemeClr val="phClr">
+                <a:tint val="80000"/>
+                <a:satMod val="300000"/>
+              </a:schemeClr>
+            </a:gs>
+            <a:gs pos="100000">
+              <a:schemeClr val="phClr">
+                <a:shade val="30000"/>
+                <a:satMod val="200000"/>
+              </a:schemeClr>
+            </a:gs>
+          </a:gsLst>
+          <a:path path="circle">
+            <a:fillToRect l="50000" t="50000" r="50000" b="50000"/>
+          </a:path>
+        </a:gradFill>
+      </a:bgFillStyleLst>
+    </a:fmtScheme>
+  </a:themeElements>
+</a:theme>
+</file>
+
+<file path=ppt/theme/theme2.xml><?xml version="1.0" encoding="utf-8"?>
 <a:theme xmlns:a="http://schemas.openxmlformats.org/drawingml/2006/main" xmlns:r="http://schemas.openxmlformats.org/officeDocument/2006/relationships" name="Custom Theme">
   <a:themeElements>
     <a:clrScheme name="Default">
@@ -6421,283 +7403,4 @@
     </a:fmtScheme>
   </a:themeElements>
 </a:theme>
-</file>
-
-<file path=ppt/theme/theme2.xml><?xml version="1.0" encoding="utf-8"?>
-<a:theme xmlns:a="http://schemas.openxmlformats.org/drawingml/2006/main" xmlns:r="http://schemas.openxmlformats.org/officeDocument/2006/relationships" name="paperback">
-  <a:themeElements>
-    <a:clrScheme name="Paperback">
-      <a:dk1>
-        <a:srgbClr val="000000"/>
-      </a:dk1>
-      <a:lt1>
-        <a:srgbClr val="FFFFFF"/>
-      </a:lt1>
-      <a:dk2>
-        <a:srgbClr val="00695C"/>
-      </a:dk2>
-      <a:lt2>
-        <a:srgbClr val="26A69A"/>
-      </a:lt2>
-      <a:accent1>
-        <a:srgbClr val="FFFBF0"/>
-      </a:accent1>
-      <a:accent2>
-        <a:srgbClr val="B7B7B7"/>
-      </a:accent2>
-      <a:accent3>
-        <a:srgbClr val="FB8C00"/>
-      </a:accent3>
-      <a:accent4>
-        <a:srgbClr val="80CBC4"/>
-      </a:accent4>
-      <a:accent5>
-        <a:srgbClr val="AF4345"/>
-      </a:accent5>
-      <a:accent6>
-        <a:srgbClr val="F58F8F"/>
-      </a:accent6>
-      <a:hlink>
-        <a:srgbClr val="AF4345"/>
-      </a:hlink>
-      <a:folHlink>
-        <a:srgbClr val="AF4345"/>
-      </a:folHlink>
-    </a:clrScheme>
-    <a:fontScheme name="Office">
-      <a:majorFont>
-        <a:latin typeface="Arial"/>
-        <a:ea typeface=""/>
-        <a:cs typeface=""/>
-        <a:font script="Jpan" typeface="ＭＳ Ｐゴシック"/>
-        <a:font script="Hang" typeface="맑은 고딕"/>
-        <a:font script="Hans" typeface="宋体"/>
-        <a:font script="Hant" typeface="新細明體"/>
-        <a:font script="Arab" typeface="Times New Roman"/>
-        <a:font script="Hebr" typeface="Times New Roman"/>
-        <a:font script="Thai" typeface="Angsana New"/>
-        <a:font script="Ethi" typeface="Nyala"/>
-        <a:font script="Beng" typeface="Vrinda"/>
-        <a:font script="Gujr" typeface="Shruti"/>
-        <a:font script="Khmr" typeface="MoolBoran"/>
-        <a:font script="Knda" typeface="Tunga"/>
-        <a:font script="Guru" typeface="Raavi"/>
-        <a:font script="Cans" typeface="Euphemia"/>
-        <a:font script="Cher" typeface="Plantagenet Cherokee"/>
-        <a:font script="Yiii" typeface="Microsoft Yi Baiti"/>
-        <a:font script="Tibt" typeface="Microsoft Himalaya"/>
-        <a:font script="Thaa" typeface="MV Boli"/>
-        <a:font script="Deva" typeface="Mangal"/>
-        <a:font script="Telu" typeface="Gautami"/>
-        <a:font script="Taml" typeface="Latha"/>
-        <a:font script="Syrc" typeface="Estrangelo Edessa"/>
-        <a:font script="Orya" typeface="Kalinga"/>
-        <a:font script="Mlym" typeface="Kartika"/>
-        <a:font script="Laoo" typeface="DokChampa"/>
-        <a:font script="Sinh" typeface="Iskoola Pota"/>
-        <a:font script="Mong" typeface="Mongolian Baiti"/>
-        <a:font script="Viet" typeface="Times New Roman"/>
-        <a:font script="Uigh" typeface="Microsoft Uighur"/>
-        <a:font script="Geor" typeface="Sylfaen"/>
-      </a:majorFont>
-      <a:minorFont>
-        <a:latin typeface="Arial"/>
-        <a:ea typeface=""/>
-        <a:cs typeface=""/>
-        <a:font script="Jpan" typeface="ＭＳ Ｐゴシック"/>
-        <a:font script="Hang" typeface="맑은 고딕"/>
-        <a:font script="Hans" typeface="宋体"/>
-        <a:font script="Hant" typeface="新細明體"/>
-        <a:font script="Arab" typeface="Arial"/>
-        <a:font script="Hebr" typeface="Arial"/>
-        <a:font script="Thai" typeface="Cordia New"/>
-        <a:font script="Ethi" typeface="Nyala"/>
-        <a:font script="Beng" typeface="Vrinda"/>
-        <a:font script="Gujr" typeface="Shruti"/>
-        <a:font script="Khmr" typeface="DaunPenh"/>
-        <a:font script="Knda" typeface="Tunga"/>
-        <a:font script="Guru" typeface="Raavi"/>
-        <a:font script="Cans" typeface="Euphemia"/>
-        <a:font script="Cher" typeface="Plantagenet Cherokee"/>
-        <a:font script="Yiii" typeface="Microsoft Yi Baiti"/>
-        <a:font script="Tibt" typeface="Microsoft Himalaya"/>
-        <a:font script="Thaa" typeface="MV Boli"/>
-        <a:font script="Deva" typeface="Mangal"/>
-        <a:font script="Telu" typeface="Gautami"/>
-        <a:font script="Taml" typeface="Latha"/>
-        <a:font script="Syrc" typeface="Estrangelo Edessa"/>
-        <a:font script="Orya" typeface="Kalinga"/>
-        <a:font script="Mlym" typeface="Kartika"/>
-        <a:font script="Laoo" typeface="DokChampa"/>
-        <a:font script="Sinh" typeface="Iskoola Pota"/>
-        <a:font script="Mong" typeface="Mongolian Baiti"/>
-        <a:font script="Viet" typeface="Arial"/>
-        <a:font script="Uigh" typeface="Microsoft Uighur"/>
-        <a:font script="Geor" typeface="Sylfaen"/>
-      </a:minorFont>
-    </a:fontScheme>
-    <a:fmtScheme name="Office">
-      <a:fillStyleLst>
-        <a:solidFill>
-          <a:schemeClr val="phClr"/>
-        </a:solidFill>
-        <a:gradFill rotWithShape="1">
-          <a:gsLst>
-            <a:gs pos="0">
-              <a:schemeClr val="phClr">
-                <a:tint val="50000"/>
-                <a:satMod val="300000"/>
-              </a:schemeClr>
-            </a:gs>
-            <a:gs pos="35000">
-              <a:schemeClr val="phClr">
-                <a:tint val="37000"/>
-                <a:satMod val="300000"/>
-              </a:schemeClr>
-            </a:gs>
-            <a:gs pos="100000">
-              <a:schemeClr val="phClr">
-                <a:tint val="15000"/>
-                <a:satMod val="350000"/>
-              </a:schemeClr>
-            </a:gs>
-          </a:gsLst>
-          <a:lin ang="16200000" scaled="1"/>
-        </a:gradFill>
-        <a:gradFill rotWithShape="1">
-          <a:gsLst>
-            <a:gs pos="0">
-              <a:schemeClr val="phClr">
-                <a:tint val="100000"/>
-                <a:shade val="100000"/>
-                <a:satMod val="130000"/>
-              </a:schemeClr>
-            </a:gs>
-            <a:gs pos="100000">
-              <a:schemeClr val="phClr">
-                <a:tint val="50000"/>
-                <a:shade val="100000"/>
-                <a:satMod val="350000"/>
-              </a:schemeClr>
-            </a:gs>
-          </a:gsLst>
-          <a:lin ang="16200000" scaled="0"/>
-        </a:gradFill>
-      </a:fillStyleLst>
-      <a:lnStyleLst>
-        <a:ln w="9525" cap="flat" cmpd="sng" algn="ctr">
-          <a:solidFill>
-            <a:schemeClr val="phClr">
-              <a:shade val="95000"/>
-              <a:satMod val="105000"/>
-            </a:schemeClr>
-          </a:solidFill>
-          <a:prstDash val="solid"/>
-        </a:ln>
-        <a:ln w="25400" cap="flat" cmpd="sng" algn="ctr">
-          <a:solidFill>
-            <a:schemeClr val="phClr"/>
-          </a:solidFill>
-          <a:prstDash val="solid"/>
-        </a:ln>
-        <a:ln w="38100" cap="flat" cmpd="sng" algn="ctr">
-          <a:solidFill>
-            <a:schemeClr val="phClr"/>
-          </a:solidFill>
-          <a:prstDash val="solid"/>
-        </a:ln>
-      </a:lnStyleLst>
-      <a:effectStyleLst>
-        <a:effectStyle>
-          <a:effectLst>
-            <a:outerShdw blurRad="40000" dist="20000" dir="5400000" rotWithShape="0">
-              <a:srgbClr val="000000">
-                <a:alpha val="38000"/>
-              </a:srgbClr>
-            </a:outerShdw>
-          </a:effectLst>
-        </a:effectStyle>
-        <a:effectStyle>
-          <a:effectLst>
-            <a:outerShdw blurRad="40000" dist="23000" dir="5400000" rotWithShape="0">
-              <a:srgbClr val="000000">
-                <a:alpha val="35000"/>
-              </a:srgbClr>
-            </a:outerShdw>
-          </a:effectLst>
-        </a:effectStyle>
-        <a:effectStyle>
-          <a:effectLst>
-            <a:outerShdw blurRad="40000" dist="23000" dir="5400000" rotWithShape="0">
-              <a:srgbClr val="000000">
-                <a:alpha val="35000"/>
-              </a:srgbClr>
-            </a:outerShdw>
-          </a:effectLst>
-          <a:scene3d>
-            <a:camera prst="orthographicFront">
-              <a:rot lat="0" lon="0" rev="0"/>
-            </a:camera>
-            <a:lightRig rig="threePt" dir="t">
-              <a:rot lat="0" lon="0" rev="1200000"/>
-            </a:lightRig>
-          </a:scene3d>
-          <a:sp3d>
-            <a:bevelT w="63500" h="25400"/>
-          </a:sp3d>
-        </a:effectStyle>
-      </a:effectStyleLst>
-      <a:bgFillStyleLst>
-        <a:solidFill>
-          <a:schemeClr val="phClr"/>
-        </a:solidFill>
-        <a:gradFill rotWithShape="1">
-          <a:gsLst>
-            <a:gs pos="0">
-              <a:schemeClr val="phClr">
-                <a:tint val="40000"/>
-                <a:satMod val="350000"/>
-              </a:schemeClr>
-            </a:gs>
-            <a:gs pos="40000">
-              <a:schemeClr val="phClr">
-                <a:tint val="45000"/>
-                <a:shade val="99000"/>
-                <a:satMod val="350000"/>
-              </a:schemeClr>
-            </a:gs>
-            <a:gs pos="100000">
-              <a:schemeClr val="phClr">
-                <a:shade val="20000"/>
-                <a:satMod val="255000"/>
-              </a:schemeClr>
-            </a:gs>
-          </a:gsLst>
-          <a:path path="circle">
-            <a:fillToRect l="50000" t="-80000" r="50000" b="180000"/>
-          </a:path>
-        </a:gradFill>
-        <a:gradFill rotWithShape="1">
-          <a:gsLst>
-            <a:gs pos="0">
-              <a:schemeClr val="phClr">
-                <a:tint val="80000"/>
-                <a:satMod val="300000"/>
-              </a:schemeClr>
-            </a:gs>
-            <a:gs pos="100000">
-              <a:schemeClr val="phClr">
-                <a:shade val="30000"/>
-                <a:satMod val="200000"/>
-              </a:schemeClr>
-            </a:gs>
-          </a:gsLst>
-          <a:path path="circle">
-            <a:fillToRect l="50000" t="50000" r="50000" b="50000"/>
-          </a:path>
-        </a:gradFill>
-      </a:bgFillStyleLst>
-    </a:fmtScheme>
-  </a:themeElements>
-</a:theme>
 </file>